--- a/Mean Vector Clustering w.pptx
+++ b/Mean Vector Clustering w.pptx
@@ -13,6 +13,8 @@
     <p:sldId id="261" r:id="rId7"/>
     <p:sldId id="262" r:id="rId8"/>
     <p:sldId id="263" r:id="rId9"/>
+    <p:sldId id="264" r:id="rId10"/>
+    <p:sldId id="265" r:id="rId11"/>
   </p:sldIdLst>
   <p:sldSz cx="9144000" cy="6858000" type="screen4x3"/>
   <p:notesSz cx="6858000" cy="9144000"/>
@@ -3931,6 +3933,90 @@
 </p:sld>
 </file>
 
+<file path=ppt/slides/slide10.xml><?xml version="1.0" encoding="utf-8"?>
+<p:sld xmlns:a="http://schemas.openxmlformats.org/drawingml/2006/main" xmlns:r="http://schemas.openxmlformats.org/officeDocument/2006/relationships" xmlns:p="http://schemas.openxmlformats.org/presentationml/2006/main">
+  <p:cSld>
+    <p:spTree>
+      <p:nvGrpSpPr>
+        <p:cNvPr id="1" name=""/>
+        <p:cNvGrpSpPr/>
+        <p:nvPr/>
+      </p:nvGrpSpPr>
+      <p:grpSpPr>
+        <a:xfrm>
+          <a:off x="0" y="0"/>
+          <a:ext cx="0" cy="0"/>
+          <a:chOff x="0" y="0"/>
+          <a:chExt cx="0" cy="0"/>
+        </a:xfrm>
+      </p:grpSpPr>
+      <p:sp>
+        <p:nvSpPr>
+          <p:cNvPr id="2" name="Title 1"/>
+          <p:cNvSpPr>
+            <a:spLocks noGrp="1"/>
+          </p:cNvSpPr>
+          <p:nvPr>
+            <p:ph type="title"/>
+          </p:nvPr>
+        </p:nvSpPr>
+        <p:spPr/>
+        <p:txBody>
+          <a:bodyPr/>
+          <a:lstStyle/>
+          <a:p>
+            <a:pPr algn="l"/>
+            <a:r>
+              <a:rPr lang="en-US" dirty="0" smtClean="0"/>
+              <a:t>Rejection: Normal Distributions</a:t>
+            </a:r>
+            <a:endParaRPr lang="en-US" dirty="0"/>
+          </a:p>
+        </p:txBody>
+      </p:sp>
+      <p:pic>
+        <p:nvPicPr>
+          <p:cNvPr id="5" name="Picture 4"/>
+          <p:cNvPicPr>
+            <a:picLocks noChangeAspect="1"/>
+          </p:cNvPicPr>
+          <p:nvPr/>
+        </p:nvPicPr>
+        <p:blipFill>
+          <a:blip r:embed="rId2">
+            <a:extLst>
+              <a:ext uri="{28A0092B-C50C-407E-A947-70E740481C1C}">
+                <a14:useLocalDpi xmlns:a14="http://schemas.microsoft.com/office/drawing/2010/main" val="0"/>
+              </a:ext>
+            </a:extLst>
+          </a:blip>
+          <a:stretch>
+            <a:fillRect/>
+          </a:stretch>
+        </p:blipFill>
+        <p:spPr>
+          <a:xfrm>
+            <a:off x="2286000" y="1828800"/>
+            <a:ext cx="4455593" cy="3952875"/>
+          </a:xfrm>
+          <a:prstGeom prst="rect">
+            <a:avLst/>
+          </a:prstGeom>
+        </p:spPr>
+      </p:pic>
+    </p:spTree>
+    <p:extLst>
+      <p:ext uri="{BB962C8B-B14F-4D97-AF65-F5344CB8AC3E}">
+        <p14:creationId xmlns:p14="http://schemas.microsoft.com/office/powerpoint/2010/main" val="4172277700"/>
+      </p:ext>
+    </p:extLst>
+  </p:cSld>
+  <p:clrMapOvr>
+    <a:masterClrMapping/>
+  </p:clrMapOvr>
+</p:sld>
+</file>
+
 <file path=ppt/slides/slide2.xml><?xml version="1.0" encoding="utf-8"?>
 <p:sld xmlns:a="http://schemas.openxmlformats.org/drawingml/2006/main" xmlns:r="http://schemas.openxmlformats.org/officeDocument/2006/relationships" xmlns:p="http://schemas.openxmlformats.org/presentationml/2006/main">
   <p:cSld>
@@ -6256,6 +6342,79 @@
     <p:extLst>
       <p:ext uri="{BB962C8B-B14F-4D97-AF65-F5344CB8AC3E}">
         <p14:creationId xmlns:p14="http://schemas.microsoft.com/office/powerpoint/2010/main" val="2918793454"/>
+      </p:ext>
+    </p:extLst>
+  </p:cSld>
+  <p:clrMapOvr>
+    <a:masterClrMapping/>
+  </p:clrMapOvr>
+</p:sld>
+</file>
+
+<file path=ppt/slides/slide9.xml><?xml version="1.0" encoding="utf-8"?>
+<p:sld xmlns:a="http://schemas.openxmlformats.org/drawingml/2006/main" xmlns:r="http://schemas.openxmlformats.org/officeDocument/2006/relationships" xmlns:p="http://schemas.openxmlformats.org/presentationml/2006/main">
+  <p:cSld>
+    <p:spTree>
+      <p:nvGrpSpPr>
+        <p:cNvPr id="1" name=""/>
+        <p:cNvGrpSpPr/>
+        <p:nvPr/>
+      </p:nvGrpSpPr>
+      <p:grpSpPr>
+        <a:xfrm>
+          <a:off x="0" y="0"/>
+          <a:ext cx="0" cy="0"/>
+          <a:chOff x="0" y="0"/>
+          <a:chExt cx="0" cy="0"/>
+        </a:xfrm>
+      </p:grpSpPr>
+      <p:sp>
+        <p:nvSpPr>
+          <p:cNvPr id="2" name="Title 1"/>
+          <p:cNvSpPr>
+            <a:spLocks noGrp="1"/>
+          </p:cNvSpPr>
+          <p:nvPr>
+            <p:ph type="title"/>
+          </p:nvPr>
+        </p:nvSpPr>
+        <p:spPr/>
+        <p:txBody>
+          <a:bodyPr/>
+          <a:lstStyle/>
+          <a:p>
+            <a:pPr algn="l"/>
+            <a:r>
+              <a:rPr lang="en-US" dirty="0" smtClean="0"/>
+              <a:t>Rejection</a:t>
+            </a:r>
+            <a:endParaRPr lang="en-US" dirty="0"/>
+          </a:p>
+        </p:txBody>
+      </p:sp>
+      <p:sp>
+        <p:nvSpPr>
+          <p:cNvPr id="3" name="Content Placeholder 2"/>
+          <p:cNvSpPr>
+            <a:spLocks noGrp="1"/>
+          </p:cNvSpPr>
+          <p:nvPr>
+            <p:ph idx="1"/>
+          </p:nvPr>
+        </p:nvSpPr>
+        <p:spPr/>
+        <p:txBody>
+          <a:bodyPr/>
+          <a:lstStyle/>
+          <a:p>
+            <a:endParaRPr lang="en-US"/>
+          </a:p>
+        </p:txBody>
+      </p:sp>
+    </p:spTree>
+    <p:extLst>
+      <p:ext uri="{BB962C8B-B14F-4D97-AF65-F5344CB8AC3E}">
+        <p14:creationId xmlns:p14="http://schemas.microsoft.com/office/powerpoint/2010/main" val="2452362062"/>
       </p:ext>
     </p:extLst>
   </p:cSld>

--- a/Mean Vector Clustering w.pptx
+++ b/Mean Vector Clustering w.pptx
@@ -4071,7 +4071,7 @@
         <p:spPr/>
         <p:txBody>
           <a:bodyPr>
-            <a:normAutofit fontScale="92500" lnSpcReduction="10000"/>
+            <a:normAutofit/>
           </a:bodyPr>
           <a:lstStyle/>
           <a:p>
@@ -4101,7 +4101,11 @@
           <a:p>
             <a:r>
               <a:rPr lang="en-US" dirty="0" smtClean="0"/>
-              <a:t>The segmentation problem has been omitted as it extensively covered elsewhere and is uninterested for the demonstration</a:t>
+              <a:t>The segmentation problem has been </a:t>
+            </a:r>
+            <a:r>
+              <a:rPr lang="en-US" dirty="0" smtClean="0"/>
+              <a:t>omitted</a:t>
             </a:r>
             <a:endParaRPr lang="en-US" dirty="0"/>
           </a:p>
@@ -5046,7 +5050,7 @@
         <p:spPr>
           <a:xfrm>
             <a:off x="3124200" y="1524000"/>
-            <a:ext cx="5791200" cy="1754326"/>
+            <a:ext cx="5791200" cy="4801314"/>
           </a:xfrm>
           <a:prstGeom prst="rect">
             <a:avLst/>
@@ -5061,7 +5065,7 @@
           <a:p>
             <a:r>
               <a:rPr lang="en-US" b="1" dirty="0" smtClean="0"/>
-              <a:t>Histogram Feature</a:t>
+              <a:t>Ratio of Histograms Feature</a:t>
             </a:r>
           </a:p>
           <a:p>
@@ -5074,11 +5078,8 @@
             </a:pPr>
             <a:r>
               <a:rPr lang="en-US" dirty="0" smtClean="0"/>
-              <a:t>Brandon should insert explanation here with a good example… I don’t know much about it.</a:t>
-            </a:r>
-            <a:br>
-              <a:rPr lang="en-US" dirty="0" smtClean="0"/>
-            </a:br>
+              <a:t>Ratio of Histograms works very similar to zoning</a:t>
+            </a:r>
             <a:endParaRPr lang="en-US" dirty="0"/>
           </a:p>
           <a:p>
@@ -5088,8 +5089,434 @@
             </a:pPr>
             <a:endParaRPr lang="en-US" dirty="0"/>
           </a:p>
-        </p:txBody>
-      </p:sp>
+          <a:p>
+            <a:pPr marL="285750" indent="-285750">
+              <a:buFont typeface="Arial"/>
+              <a:buChar char="•"/>
+            </a:pPr>
+            <a:r>
+              <a:rPr lang="en-US" dirty="0" smtClean="0"/>
+              <a:t>First the percentage of black pixels in n rows and n columns are obtained</a:t>
+            </a:r>
+          </a:p>
+          <a:p>
+            <a:pPr marL="285750" indent="-285750">
+              <a:buFont typeface="Arial"/>
+              <a:buChar char="•"/>
+            </a:pPr>
+            <a:endParaRPr lang="en-US" dirty="0"/>
+          </a:p>
+          <a:p>
+            <a:pPr marL="285750" indent="-285750">
+              <a:buFont typeface="Arial"/>
+              <a:buChar char="•"/>
+            </a:pPr>
+            <a:r>
+              <a:rPr lang="en-US" dirty="0" smtClean="0"/>
+              <a:t>The vector is then populated using the ratio of the percentages between the n rows and columns</a:t>
+            </a:r>
+          </a:p>
+          <a:p>
+            <a:pPr marL="285750" indent="-285750">
+              <a:buFont typeface="Arial"/>
+              <a:buChar char="•"/>
+            </a:pPr>
+            <a:endParaRPr lang="en-US" dirty="0"/>
+          </a:p>
+          <a:p>
+            <a:pPr marL="285750" indent="-285750">
+              <a:buFont typeface="Arial"/>
+              <a:buChar char="•"/>
+            </a:pPr>
+            <a:r>
+              <a:rPr lang="en-US" dirty="0" smtClean="0"/>
+              <a:t>The vector at position I is equal to  </a:t>
+            </a:r>
+          </a:p>
+          <a:p>
+            <a:r>
+              <a:rPr lang="en-US" dirty="0"/>
+              <a:t> </a:t>
+            </a:r>
+            <a:r>
+              <a:rPr lang="en-US" dirty="0" smtClean="0"/>
+              <a:t>    </a:t>
+            </a:r>
+            <a:r>
+              <a:rPr lang="en-US" u="sng" dirty="0" smtClean="0"/>
+              <a:t>(</a:t>
+            </a:r>
+            <a:r>
+              <a:rPr lang="en-US" u="sng" dirty="0"/>
+              <a:t>the percentage of row </a:t>
+            </a:r>
+            <a:r>
+              <a:rPr lang="en-US" u="sng" dirty="0" err="1"/>
+              <a:t>i</a:t>
+            </a:r>
+            <a:r>
+              <a:rPr lang="en-US" u="sng" dirty="0"/>
+              <a:t> – the percentage of column </a:t>
+            </a:r>
+            <a:r>
+              <a:rPr lang="en-US" u="sng" dirty="0" err="1"/>
+              <a:t>i</a:t>
+            </a:r>
+            <a:r>
+              <a:rPr lang="en-US" u="sng" dirty="0"/>
+              <a:t>)</a:t>
+            </a:r>
+            <a:r>
+              <a:rPr lang="en-US" dirty="0"/>
+              <a:t> </a:t>
+            </a:r>
+          </a:p>
+          <a:p>
+            <a:r>
+              <a:rPr lang="en-US" dirty="0"/>
+              <a:t>     (the percentage of row I + the percentage of column </a:t>
+            </a:r>
+            <a:r>
+              <a:rPr lang="en-US" dirty="0" err="1"/>
+              <a:t>i</a:t>
+            </a:r>
+            <a:r>
+              <a:rPr lang="en-US" dirty="0" smtClean="0"/>
+              <a:t>)</a:t>
+            </a:r>
+            <a:endParaRPr lang="en-US" dirty="0"/>
+          </a:p>
+          <a:p>
+            <a:pPr marL="285750" indent="-285750">
+              <a:buFont typeface="Arial"/>
+              <a:buChar char="•"/>
+            </a:pPr>
+            <a:endParaRPr lang="en-US" dirty="0" smtClean="0"/>
+          </a:p>
+          <a:p>
+            <a:pPr marL="285750" indent="-285750">
+              <a:buFont typeface="Arial"/>
+              <a:buChar char="•"/>
+            </a:pPr>
+            <a:r>
+              <a:rPr lang="en-US" dirty="0" smtClean="0"/>
+              <a:t>Because we use the same bounding box as the previous 3 features this results vector is only </a:t>
+            </a:r>
+            <a:r>
+              <a:rPr lang="en-US" smtClean="0"/>
+              <a:t>2 digits long</a:t>
+            </a:r>
+            <a:endParaRPr lang="en-US" dirty="0" smtClean="0"/>
+          </a:p>
+          <a:p>
+            <a:pPr marL="285750" indent="-285750">
+              <a:buFont typeface="Arial"/>
+              <a:buChar char="•"/>
+            </a:pPr>
+            <a:endParaRPr lang="en-US" dirty="0" smtClean="0"/>
+          </a:p>
+        </p:txBody>
+      </p:sp>
+      <p:pic>
+        <p:nvPicPr>
+          <p:cNvPr id="1027" name="Picture 3"/>
+          <p:cNvPicPr>
+            <a:picLocks noChangeAspect="1" noChangeArrowheads="1"/>
+          </p:cNvPicPr>
+          <p:nvPr/>
+        </p:nvPicPr>
+        <p:blipFill>
+          <a:blip r:embed="rId2">
+            <a:extLst>
+              <a:ext uri="{28A0092B-C50C-407E-A947-70E740481C1C}">
+                <a14:useLocalDpi xmlns:a14="http://schemas.microsoft.com/office/drawing/2010/main" val="0"/>
+              </a:ext>
+            </a:extLst>
+          </a:blip>
+          <a:srcRect/>
+          <a:stretch>
+            <a:fillRect/>
+          </a:stretch>
+        </p:blipFill>
+        <p:spPr bwMode="auto">
+          <a:xfrm>
+            <a:off x="358548" y="1752600"/>
+            <a:ext cx="2783940" cy="2255837"/>
+          </a:xfrm>
+          <a:prstGeom prst="rect">
+            <a:avLst/>
+          </a:prstGeom>
+          <a:noFill/>
+          <a:ln>
+            <a:noFill/>
+          </a:ln>
+          <a:extLst>
+            <a:ext uri="{909E8E84-426E-40DD-AFC4-6F175D3DCCD1}">
+              <a14:hiddenFill xmlns:a14="http://schemas.microsoft.com/office/drawing/2010/main">
+                <a:solidFill>
+                  <a:schemeClr val="accent1"/>
+                </a:solidFill>
+              </a14:hiddenFill>
+            </a:ext>
+            <a:ext uri="{91240B29-F687-4F45-9708-019B960494DF}">
+              <a14:hiddenLine xmlns:a14="http://schemas.microsoft.com/office/drawing/2010/main" w="9525">
+                <a:solidFill>
+                  <a:schemeClr val="tx1"/>
+                </a:solidFill>
+                <a:miter lim="800000"/>
+                <a:headEnd/>
+                <a:tailEnd/>
+              </a14:hiddenLine>
+            </a:ext>
+          </a:extLst>
+        </p:spPr>
+      </p:pic>
+      <p:graphicFrame>
+        <p:nvGraphicFramePr>
+          <p:cNvPr id="3" name="Table 2"/>
+          <p:cNvGraphicFramePr>
+            <a:graphicFrameLocks noGrp="1"/>
+          </p:cNvGraphicFramePr>
+          <p:nvPr>
+            <p:extLst>
+              <p:ext uri="{D42A27DB-BD31-4B8C-83A1-F6EECF244321}">
+                <p14:modId xmlns:p14="http://schemas.microsoft.com/office/powerpoint/2010/main" val="2010658583"/>
+              </p:ext>
+            </p:extLst>
+          </p:nvPr>
+        </p:nvGraphicFramePr>
+        <p:xfrm>
+          <a:off x="762000" y="4495800"/>
+          <a:ext cx="1828800" cy="548640"/>
+        </p:xfrm>
+        <a:graphic>
+          <a:graphicData uri="http://schemas.openxmlformats.org/drawingml/2006/table">
+            <a:tbl>
+              <a:tblPr>
+                <a:tableStyleId>{5C22544A-7EE6-4342-B048-85BDC9FD1C3A}</a:tableStyleId>
+              </a:tblPr>
+              <a:tblGrid>
+                <a:gridCol w="609600"/>
+                <a:gridCol w="609600"/>
+                <a:gridCol w="609600"/>
+              </a:tblGrid>
+              <a:tr h="182880">
+                <a:tc>
+                  <a:txBody>
+                    <a:bodyPr/>
+                    <a:lstStyle/>
+                    <a:p>
+                      <a:pPr algn="l" fontAlgn="b"/>
+                      <a:r>
+                        <a:rPr lang="en-US" sz="1100" u="none" strike="noStrike">
+                          <a:effectLst/>
+                        </a:rPr>
+                        <a:t>Rows</a:t>
+                      </a:r>
+                      <a:endParaRPr lang="en-US" sz="1100" b="0" i="0" u="none" strike="noStrike">
+                        <a:solidFill>
+                          <a:srgbClr val="000000"/>
+                        </a:solidFill>
+                        <a:effectLst/>
+                        <a:latin typeface="Calibri"/>
+                      </a:endParaRPr>
+                    </a:p>
+                  </a:txBody>
+                  <a:tcPr marL="7620" marR="7620" marT="7620" marB="0" anchor="b"/>
+                </a:tc>
+                <a:tc>
+                  <a:txBody>
+                    <a:bodyPr/>
+                    <a:lstStyle/>
+                    <a:p>
+                      <a:pPr algn="r" fontAlgn="b"/>
+                      <a:r>
+                        <a:rPr lang="en-US" sz="1100" u="none" strike="noStrike">
+                          <a:effectLst/>
+                        </a:rPr>
+                        <a:t>0.6</a:t>
+                      </a:r>
+                      <a:endParaRPr lang="en-US" sz="1100" b="0" i="0" u="none" strike="noStrike">
+                        <a:solidFill>
+                          <a:srgbClr val="000000"/>
+                        </a:solidFill>
+                        <a:effectLst/>
+                        <a:latin typeface="Calibri"/>
+                      </a:endParaRPr>
+                    </a:p>
+                  </a:txBody>
+                  <a:tcPr marL="7620" marR="7620" marT="7620" marB="0" anchor="b"/>
+                </a:tc>
+                <a:tc>
+                  <a:txBody>
+                    <a:bodyPr/>
+                    <a:lstStyle/>
+                    <a:p>
+                      <a:pPr algn="r" fontAlgn="b"/>
+                      <a:r>
+                        <a:rPr lang="en-US" sz="1100" u="none" strike="noStrike">
+                          <a:effectLst/>
+                        </a:rPr>
+                        <a:t>0.6375</a:t>
+                      </a:r>
+                      <a:endParaRPr lang="en-US" sz="1100" b="0" i="0" u="none" strike="noStrike">
+                        <a:solidFill>
+                          <a:srgbClr val="000000"/>
+                        </a:solidFill>
+                        <a:effectLst/>
+                        <a:latin typeface="Calibri"/>
+                      </a:endParaRPr>
+                    </a:p>
+                  </a:txBody>
+                  <a:tcPr marL="7620" marR="7620" marT="7620" marB="0" anchor="b"/>
+                </a:tc>
+              </a:tr>
+              <a:tr h="182880">
+                <a:tc>
+                  <a:txBody>
+                    <a:bodyPr/>
+                    <a:lstStyle/>
+                    <a:p>
+                      <a:pPr algn="l" fontAlgn="b"/>
+                      <a:r>
+                        <a:rPr lang="en-US" sz="1100" u="none" strike="noStrike">
+                          <a:effectLst/>
+                        </a:rPr>
+                        <a:t>Columns</a:t>
+                      </a:r>
+                      <a:endParaRPr lang="en-US" sz="1100" b="0" i="0" u="none" strike="noStrike">
+                        <a:solidFill>
+                          <a:srgbClr val="000000"/>
+                        </a:solidFill>
+                        <a:effectLst/>
+                        <a:latin typeface="Calibri"/>
+                      </a:endParaRPr>
+                    </a:p>
+                  </a:txBody>
+                  <a:tcPr marL="7620" marR="7620" marT="7620" marB="0" anchor="b"/>
+                </a:tc>
+                <a:tc>
+                  <a:txBody>
+                    <a:bodyPr/>
+                    <a:lstStyle/>
+                    <a:p>
+                      <a:pPr algn="r" fontAlgn="b"/>
+                      <a:r>
+                        <a:rPr lang="en-US" sz="1100" u="none" strike="noStrike">
+                          <a:effectLst/>
+                        </a:rPr>
+                        <a:t>0.625</a:t>
+                      </a:r>
+                      <a:endParaRPr lang="en-US" sz="1100" b="0" i="0" u="none" strike="noStrike">
+                        <a:solidFill>
+                          <a:srgbClr val="000000"/>
+                        </a:solidFill>
+                        <a:effectLst/>
+                        <a:latin typeface="Calibri"/>
+                      </a:endParaRPr>
+                    </a:p>
+                  </a:txBody>
+                  <a:tcPr marL="7620" marR="7620" marT="7620" marB="0" anchor="b"/>
+                </a:tc>
+                <a:tc>
+                  <a:txBody>
+                    <a:bodyPr/>
+                    <a:lstStyle/>
+                    <a:p>
+                      <a:pPr algn="r" fontAlgn="b"/>
+                      <a:r>
+                        <a:rPr lang="en-US" sz="1100" u="none" strike="noStrike">
+                          <a:effectLst/>
+                        </a:rPr>
+                        <a:t>0.6125</a:t>
+                      </a:r>
+                      <a:endParaRPr lang="en-US" sz="1100" b="0" i="0" u="none" strike="noStrike">
+                        <a:solidFill>
+                          <a:srgbClr val="000000"/>
+                        </a:solidFill>
+                        <a:effectLst/>
+                        <a:latin typeface="Calibri"/>
+                      </a:endParaRPr>
+                    </a:p>
+                  </a:txBody>
+                  <a:tcPr marL="7620" marR="7620" marT="7620" marB="0" anchor="b"/>
+                </a:tc>
+              </a:tr>
+              <a:tr h="182880">
+                <a:tc>
+                  <a:txBody>
+                    <a:bodyPr/>
+                    <a:lstStyle/>
+                    <a:p>
+                      <a:pPr algn="l" fontAlgn="b"/>
+                      <a:r>
+                        <a:rPr lang="en-US" sz="1100" u="none" strike="noStrike">
+                          <a:effectLst/>
+                        </a:rPr>
+                        <a:t>Vector</a:t>
+                      </a:r>
+                      <a:endParaRPr lang="en-US" sz="1100" b="0" i="0" u="none" strike="noStrike">
+                        <a:solidFill>
+                          <a:srgbClr val="000000"/>
+                        </a:solidFill>
+                        <a:effectLst/>
+                        <a:latin typeface="Calibri"/>
+                      </a:endParaRPr>
+                    </a:p>
+                  </a:txBody>
+                  <a:tcPr marL="7620" marR="7620" marT="7620" marB="0" anchor="b"/>
+                </a:tc>
+                <a:tc>
+                  <a:txBody>
+                    <a:bodyPr/>
+                    <a:lstStyle/>
+                    <a:p>
+                      <a:pPr algn="r" fontAlgn="b"/>
+                      <a:r>
+                        <a:rPr lang="en-US" sz="1100" u="none" strike="noStrike">
+                          <a:effectLst/>
+                        </a:rPr>
+                        <a:t>-0.02041</a:t>
+                      </a:r>
+                      <a:endParaRPr lang="en-US" sz="1100" b="0" i="0" u="none" strike="noStrike">
+                        <a:solidFill>
+                          <a:srgbClr val="000000"/>
+                        </a:solidFill>
+                        <a:effectLst/>
+                        <a:latin typeface="Calibri"/>
+                      </a:endParaRPr>
+                    </a:p>
+                  </a:txBody>
+                  <a:tcPr marL="7620" marR="7620" marT="7620" marB="0" anchor="b"/>
+                </a:tc>
+                <a:tc>
+                  <a:txBody>
+                    <a:bodyPr/>
+                    <a:lstStyle/>
+                    <a:p>
+                      <a:pPr algn="r" fontAlgn="b"/>
+                      <a:r>
+                        <a:rPr lang="en-US" sz="1100" u="none" strike="noStrike" dirty="0">
+                          <a:effectLst/>
+                        </a:rPr>
+                        <a:t>0.02</a:t>
+                      </a:r>
+                      <a:endParaRPr lang="en-US" sz="1100" b="0" i="0" u="none" strike="noStrike" dirty="0">
+                        <a:solidFill>
+                          <a:srgbClr val="000000"/>
+                        </a:solidFill>
+                        <a:effectLst/>
+                        <a:latin typeface="Calibri"/>
+                      </a:endParaRPr>
+                    </a:p>
+                  </a:txBody>
+                  <a:tcPr marL="7620" marR="7620" marT="7620" marB="0" anchor="b"/>
+                </a:tc>
+              </a:tr>
+            </a:tbl>
+          </a:graphicData>
+        </a:graphic>
+      </p:graphicFrame>
     </p:spTree>
     <p:extLst>
       <p:ext uri="{BB962C8B-B14F-4D97-AF65-F5344CB8AC3E}">
@@ -6076,7 +6503,7 @@
         <p:spPr>
           <a:xfrm>
             <a:off x="457200" y="1371600"/>
-            <a:ext cx="8458200" cy="2031325"/>
+            <a:ext cx="8458200" cy="1754326"/>
           </a:xfrm>
           <a:prstGeom prst="rect">
             <a:avLst/>
@@ -6095,7 +6522,23 @@
             </a:pPr>
             <a:r>
               <a:rPr lang="en-US" dirty="0" smtClean="0"/>
-              <a:t>We pre-process the image and extract features the exact same way as if we were training it.</a:t>
+              <a:t>We pre-process the image and extract features the exact same </a:t>
+            </a:r>
+            <a:r>
+              <a:rPr lang="en-US" dirty="0" smtClean="0"/>
+              <a:t>way </a:t>
+            </a:r>
+            <a:r>
+              <a:rPr lang="en-US" dirty="0" smtClean="0"/>
+              <a:t>we were </a:t>
+            </a:r>
+            <a:r>
+              <a:rPr lang="en-US" dirty="0" smtClean="0"/>
+              <a:t>train </a:t>
+            </a:r>
+            <a:r>
+              <a:rPr lang="en-US" dirty="0" smtClean="0"/>
+              <a:t>it.</a:t>
             </a:r>
           </a:p>
           <a:p>
@@ -6120,7 +6563,15 @@
             </a:r>
             <a:r>
               <a:rPr lang="en-US" dirty="0" smtClean="0"/>
-              <a:t>in the training database against the extracted features. For each different vector, we then just take the 1-norm:</a:t>
+              <a:t>in the training database against the extracted features. For each different vector, </a:t>
+            </a:r>
+            <a:r>
+              <a:rPr lang="en-US" dirty="0" smtClean="0"/>
+              <a:t>we take </a:t>
+            </a:r>
+            <a:r>
+              <a:rPr lang="en-US" dirty="0" smtClean="0"/>
+              <a:t>the 1-norm:</a:t>
             </a:r>
           </a:p>
           <a:p>
@@ -6128,8 +6579,8 @@
           </a:p>
         </p:txBody>
       </p:sp>
-      <mc:AlternateContent xmlns:mc="http://schemas.openxmlformats.org/markup-compatibility/2006">
-        <mc:Choice xmlns:a14="http://schemas.microsoft.com/office/drawing/2010/main" Requires="a14">
+      <mc:AlternateContent xmlns:mc="http://schemas.openxmlformats.org/markup-compatibility/2006" xmlns:a14="http://schemas.microsoft.com/office/drawing/2010/main">
+        <mc:Choice Requires="a14">
           <p:sp>
             <p:nvSpPr>
               <p:cNvPr id="8" name="TextBox 7"/>
@@ -6251,7 +6702,7 @@
             </p:txBody>
           </p:sp>
         </mc:Choice>
-        <mc:Fallback>
+        <mc:Fallback xmlns="">
           <p:sp>
             <p:nvSpPr>
               <p:cNvPr id="8" name="TextBox 7"/>
@@ -6314,7 +6765,39 @@
           <a:p>
             <a:r>
               <a:rPr lang="en-US" dirty="0" smtClean="0"/>
-              <a:t>this then gives a score for each symbol difference that we had obtained. The further away a feature vector was from the guessed symbol, the higher the norm, and thus the score will be.</a:t>
+              <a:t>this </a:t>
+            </a:r>
+            <a:r>
+              <a:rPr lang="en-US" dirty="0" smtClean="0"/>
+              <a:t>gives </a:t>
+            </a:r>
+            <a:r>
+              <a:rPr lang="en-US" dirty="0" smtClean="0"/>
+              <a:t>a score for each symbol difference that we had obtained. The further away a feature vector was from the guessed </a:t>
+            </a:r>
+            <a:r>
+              <a:rPr lang="en-US" dirty="0" smtClean="0"/>
+              <a:t>symbol </a:t>
+            </a:r>
+            <a:r>
+              <a:rPr lang="en-US" dirty="0" smtClean="0"/>
+              <a:t>the higher the norm, and </a:t>
+            </a:r>
+            <a:r>
+              <a:rPr lang="en-US" dirty="0" smtClean="0"/>
+              <a:t>by extension </a:t>
+            </a:r>
+            <a:r>
+              <a:rPr lang="en-US" dirty="0" smtClean="0"/>
+              <a:t>the </a:t>
+            </a:r>
+            <a:r>
+              <a:rPr lang="en-US" dirty="0" smtClean="0"/>
+              <a:t>score, </a:t>
+            </a:r>
+            <a:r>
+              <a:rPr lang="en-US" dirty="0" smtClean="0"/>
+              <a:t>will be.</a:t>
             </a:r>
             <a:br>
               <a:rPr lang="en-US" dirty="0" smtClean="0"/>
@@ -6328,11 +6811,19 @@
             </a:br>
             <a:r>
               <a:rPr lang="en-US" dirty="0" smtClean="0"/>
-              <a:t>Then, the symbol that corresponds to the lowest score will be our guess. </a:t>
-            </a:r>
-            <a:r>
-              <a:rPr lang="en-US" b="1" dirty="0" smtClean="0"/>
-              <a:t>Unless…</a:t>
+              <a:t>Then, the symbol that corresponds to the lowest score will be </a:t>
+            </a:r>
+            <a:r>
+              <a:rPr lang="en-US" dirty="0" smtClean="0"/>
+              <a:t>our best </a:t>
+            </a:r>
+            <a:r>
+              <a:rPr lang="en-US" dirty="0" smtClean="0"/>
+              <a:t>guess</a:t>
+            </a:r>
+            <a:r>
+              <a:rPr lang="en-US" dirty="0" smtClean="0"/>
+              <a:t>.</a:t>
             </a:r>
             <a:endParaRPr lang="en-US" b="1" dirty="0"/>
           </a:p>

--- a/Mean Vector Clustering w.pptx
+++ b/Mean Vector Clustering w.pptx
@@ -4101,11 +4101,7 @@
           <a:p>
             <a:r>
               <a:rPr lang="en-US" dirty="0" smtClean="0"/>
-              <a:t>The segmentation problem has been </a:t>
-            </a:r>
-            <a:r>
-              <a:rPr lang="en-US" dirty="0" smtClean="0"/>
-              <a:t>omitted</a:t>
+              <a:t>The segmentation problem has been omitted</a:t>
             </a:r>
             <a:endParaRPr lang="en-US" dirty="0"/>
           </a:p>
@@ -4272,7 +4268,7 @@
         <p:spPr>
           <a:xfrm>
             <a:off x="3124200" y="1524000"/>
-            <a:ext cx="5791200" cy="3139321"/>
+            <a:ext cx="5791200" cy="3693319"/>
           </a:xfrm>
           <a:prstGeom prst="rect">
             <a:avLst/>
@@ -4300,8 +4296,79 @@
             </a:pPr>
             <a:r>
               <a:rPr lang="en-US" dirty="0" smtClean="0"/>
-              <a:t>This feature vector alone is very simple to implement and yields quite good results. A simple ratio is taken for each sub-division of the block size and counted for a ratio of total pixels.</a:t>
-            </a:r>
+              <a:t>This feature </a:t>
+            </a:r>
+            <a:r>
+              <a:rPr lang="en-US" dirty="0"/>
+              <a:t>vector </a:t>
+            </a:r>
+            <a:r>
+              <a:rPr lang="en-US" dirty="0" smtClean="0"/>
+              <a:t>yields </a:t>
+            </a:r>
+            <a:r>
+              <a:rPr lang="en-US" dirty="0"/>
+              <a:t>quite good </a:t>
+            </a:r>
+            <a:r>
+              <a:rPr lang="en-US" dirty="0" smtClean="0"/>
+              <a:t>results on its own and </a:t>
+            </a:r>
+            <a:r>
+              <a:rPr lang="en-US" dirty="0" smtClean="0"/>
+              <a:t>is </a:t>
+            </a:r>
+            <a:r>
+              <a:rPr lang="en-US" dirty="0" smtClean="0"/>
+              <a:t>simple </a:t>
+            </a:r>
+            <a:r>
+              <a:rPr lang="en-US" dirty="0" smtClean="0"/>
+              <a:t>to </a:t>
+            </a:r>
+            <a:r>
+              <a:rPr lang="en-US" dirty="0" smtClean="0"/>
+              <a:t>implement. </a:t>
+            </a:r>
+            <a:r>
+              <a:rPr lang="en-US" dirty="0" smtClean="0"/>
+              <a:t>The percentage of black pixels</a:t>
+            </a:r>
+            <a:r>
+              <a:rPr lang="en-US" dirty="0" smtClean="0"/>
+              <a:t> </a:t>
+            </a:r>
+            <a:r>
+              <a:rPr lang="en-US" dirty="0" smtClean="0"/>
+              <a:t>is taken for each </a:t>
+            </a:r>
+            <a:r>
+              <a:rPr lang="en-US" dirty="0" smtClean="0"/>
+              <a:t>block in the image. </a:t>
+            </a:r>
+            <a:endParaRPr lang="en-US" dirty="0"/>
+          </a:p>
+          <a:p>
+            <a:pPr marL="285750" indent="-285750">
+              <a:buFont typeface="Arial"/>
+              <a:buChar char="•"/>
+            </a:pPr>
+            <a:endParaRPr lang="en-US" dirty="0" smtClean="0"/>
+          </a:p>
+          <a:p>
+            <a:pPr marL="285750" indent="-285750">
+              <a:buFont typeface="Arial"/>
+              <a:buChar char="•"/>
+            </a:pPr>
+            <a:r>
+              <a:rPr lang="en-US" dirty="0" smtClean="0"/>
+              <a:t>We also added normalization to this feature vector </a:t>
+            </a:r>
+            <a:r>
+              <a:rPr lang="en-US" dirty="0" smtClean="0"/>
+              <a:t>by dividing each value in the vector by the vectors sum</a:t>
+            </a:r>
+            <a:endParaRPr lang="en-US" dirty="0" smtClean="0"/>
           </a:p>
           <a:p>
             <a:pPr marL="285750" indent="-285750">
@@ -4693,7 +4760,7 @@
         <p:spPr>
           <a:xfrm>
             <a:off x="3124200" y="1524000"/>
-            <a:ext cx="5791200" cy="4524315"/>
+            <a:ext cx="5791200" cy="4247317"/>
           </a:xfrm>
           <a:prstGeom prst="rect">
             <a:avLst/>
@@ -4721,7 +4788,39 @@
             </a:pPr>
             <a:r>
               <a:rPr lang="en-US" dirty="0" smtClean="0"/>
-              <a:t>The two images to the left have a similar top left segments. The lower one is actually just rotated 90 degrees but it has the same pixel ratio  more or less. This will make zoning identity them as similar. (And if they were in the bottom-right, the Bottom-Right Discriminator as well)</a:t>
+              <a:t>The two images to the left </a:t>
+            </a:r>
+            <a:r>
+              <a:rPr lang="en-US" dirty="0" smtClean="0"/>
+              <a:t>have </a:t>
+            </a:r>
+            <a:r>
+              <a:rPr lang="en-US" dirty="0" smtClean="0"/>
+              <a:t>similar top left </a:t>
+            </a:r>
+            <a:r>
+              <a:rPr lang="en-US" dirty="0" smtClean="0"/>
+              <a:t>segments. </a:t>
+            </a:r>
+            <a:r>
+              <a:rPr lang="en-US" dirty="0" smtClean="0"/>
+              <a:t>The </a:t>
+            </a:r>
+            <a:r>
+              <a:rPr lang="en-US" dirty="0" smtClean="0"/>
+              <a:t>lower left segment for each image has roughly </a:t>
+            </a:r>
+            <a:r>
+              <a:rPr lang="en-US" dirty="0" smtClean="0"/>
+              <a:t>the same pixel </a:t>
+            </a:r>
+            <a:r>
+              <a:rPr lang="en-US" dirty="0" smtClean="0"/>
+              <a:t>ratio. </a:t>
+            </a:r>
+            <a:r>
+              <a:rPr lang="en-US" dirty="0" smtClean="0"/>
+              <a:t>This will make zoning identity them as similar. (And if they were in the bottom-right, the Bottom-Right Discriminator as well)</a:t>
             </a:r>
             <a:endParaRPr lang="en-US" dirty="0"/>
           </a:p>
@@ -4751,7 +4850,15 @@
             </a:r>
             <a:r>
               <a:rPr lang="en-US" dirty="0" smtClean="0"/>
-              <a:t>dimensions on the interval [0..1]. These are separate features. </a:t>
+              <a:t>dimensions on the interval [0..1]. These </a:t>
+            </a:r>
+            <a:r>
+              <a:rPr lang="en-US" dirty="0" smtClean="0"/>
+              <a:t>are recorded as </a:t>
+            </a:r>
+            <a:r>
+              <a:rPr lang="en-US" dirty="0" smtClean="0"/>
+              <a:t>separate features. </a:t>
             </a:r>
             <a:br>
               <a:rPr lang="en-US" dirty="0" smtClean="0"/>
@@ -5174,7 +5281,19 @@
           <a:p>
             <a:r>
               <a:rPr lang="en-US" dirty="0"/>
-              <a:t>     (the percentage of row I + the percentage of column </a:t>
+              <a:t>     (the percentage of row </a:t>
+            </a:r>
+            <a:r>
+              <a:rPr lang="en-US" dirty="0" err="1"/>
+              <a:t>i</a:t>
+            </a:r>
+            <a:r>
+              <a:rPr lang="en-US" dirty="0" smtClean="0"/>
+              <a:t> </a:t>
+            </a:r>
+            <a:r>
+              <a:rPr lang="en-US" dirty="0"/>
+              <a:t>+ the percentage of column </a:t>
             </a:r>
             <a:r>
               <a:rPr lang="en-US" dirty="0" err="1"/>
@@ -5200,13 +5319,8 @@
             </a:pPr>
             <a:r>
               <a:rPr lang="en-US" dirty="0" smtClean="0"/>
-              <a:t>Because we use the same bounding box as the previous 3 features this results vector is only </a:t>
-            </a:r>
-            <a:r>
-              <a:rPr lang="en-US" smtClean="0"/>
-              <a:t>2 digits long</a:t>
-            </a:r>
-            <a:endParaRPr lang="en-US" dirty="0" smtClean="0"/>
+              <a:t>Because we use the same bounding box as the previous 3 features this results vector is only 2 digits long</a:t>
+            </a:r>
           </a:p>
           <a:p>
             <a:pPr marL="285750" indent="-285750">
@@ -5607,8 +5721,13 @@
             </a:r>
             <a:r>
               <a:rPr lang="en-US" sz="1600" dirty="0" smtClean="0"/>
-              <a:t>for each feature we’re interested in for each symbol.</a:t>
-            </a:r>
+              <a:t>for each feature we’re interested in for </a:t>
+            </a:r>
+            <a:r>
+              <a:rPr lang="en-US" sz="1600" dirty="0" smtClean="0"/>
+              <a:t>every glyph we add.</a:t>
+            </a:r>
+            <a:endParaRPr lang="en-US" sz="1600" dirty="0" smtClean="0"/>
           </a:p>
           <a:p>
             <a:r>
@@ -6522,23 +6641,7 @@
             </a:pPr>
             <a:r>
               <a:rPr lang="en-US" dirty="0" smtClean="0"/>
-              <a:t>We pre-process the image and extract features the exact same </a:t>
-            </a:r>
-            <a:r>
-              <a:rPr lang="en-US" dirty="0" smtClean="0"/>
-              <a:t>way </a:t>
-            </a:r>
-            <a:r>
-              <a:rPr lang="en-US" dirty="0" smtClean="0"/>
-              <a:t>we were </a:t>
-            </a:r>
-            <a:r>
-              <a:rPr lang="en-US" dirty="0" smtClean="0"/>
-              <a:t>train </a:t>
-            </a:r>
-            <a:r>
-              <a:rPr lang="en-US" dirty="0" smtClean="0"/>
-              <a:t>it.</a:t>
+              <a:t>We pre-process the image and extract features the exact same way we were train it.</a:t>
             </a:r>
           </a:p>
           <a:p>
@@ -6563,15 +6666,15 @@
             </a:r>
             <a:r>
               <a:rPr lang="en-US" dirty="0" smtClean="0"/>
-              <a:t>in the training database against the extracted features. For each different vector, </a:t>
+              <a:t>in the training database against the extracted features. For each different vector, we take the </a:t>
             </a:r>
             <a:r>
               <a:rPr lang="en-US" dirty="0" smtClean="0"/>
-              <a:t>we take </a:t>
+              <a:t>          1-norm</a:t>
             </a:r>
             <a:r>
               <a:rPr lang="en-US" dirty="0" smtClean="0"/>
-              <a:t>the 1-norm:</a:t>
+              <a:t>:</a:t>
             </a:r>
           </a:p>
           <a:p>
@@ -6765,39 +6868,7 @@
           <a:p>
             <a:r>
               <a:rPr lang="en-US" dirty="0" smtClean="0"/>
-              <a:t>this </a:t>
-            </a:r>
-            <a:r>
-              <a:rPr lang="en-US" dirty="0" smtClean="0"/>
-              <a:t>gives </a:t>
-            </a:r>
-            <a:r>
-              <a:rPr lang="en-US" dirty="0" smtClean="0"/>
-              <a:t>a score for each symbol difference that we had obtained. The further away a feature vector was from the guessed </a:t>
-            </a:r>
-            <a:r>
-              <a:rPr lang="en-US" dirty="0" smtClean="0"/>
-              <a:t>symbol </a:t>
-            </a:r>
-            <a:r>
-              <a:rPr lang="en-US" dirty="0" smtClean="0"/>
-              <a:t>the higher the norm, and </a:t>
-            </a:r>
-            <a:r>
-              <a:rPr lang="en-US" dirty="0" smtClean="0"/>
-              <a:t>by extension </a:t>
-            </a:r>
-            <a:r>
-              <a:rPr lang="en-US" dirty="0" smtClean="0"/>
-              <a:t>the </a:t>
-            </a:r>
-            <a:r>
-              <a:rPr lang="en-US" dirty="0" smtClean="0"/>
-              <a:t>score, </a:t>
-            </a:r>
-            <a:r>
-              <a:rPr lang="en-US" dirty="0" smtClean="0"/>
-              <a:t>will be.</a:t>
+              <a:t>this gives a score for each symbol difference that we had obtained. The further away a feature vector was from the guessed symbol the higher the norm, and by extension the score, will be.</a:t>
             </a:r>
             <a:br>
               <a:rPr lang="en-US" dirty="0" smtClean="0"/>
@@ -6811,19 +6882,23 @@
             </a:br>
             <a:r>
               <a:rPr lang="en-US" dirty="0" smtClean="0"/>
-              <a:t>Then, the symbol that corresponds to the lowest score will be </a:t>
+              <a:t>The </a:t>
             </a:r>
             <a:r>
               <a:rPr lang="en-US" dirty="0" smtClean="0"/>
-              <a:t>our best </a:t>
+              <a:t>symbol </a:t>
+            </a:r>
+            <a:r>
+              <a:rPr lang="en-US" smtClean="0"/>
+              <a:t>that </a:t>
+            </a:r>
+            <a:r>
+              <a:rPr lang="en-US" smtClean="0"/>
+              <a:t>receives </a:t>
             </a:r>
             <a:r>
               <a:rPr lang="en-US" dirty="0" smtClean="0"/>
-              <a:t>guess</a:t>
-            </a:r>
-            <a:r>
-              <a:rPr lang="en-US" dirty="0" smtClean="0"/>
-              <a:t>.</a:t>
+              <a:t>the lowest score will be our best guess.</a:t>
             </a:r>
             <a:endParaRPr lang="en-US" b="1" dirty="0"/>
           </a:p>

--- a/Mean Vector Clustering w.pptx
+++ b/Mean Vector Clustering w.pptx
@@ -13,8 +13,11 @@
     <p:sldId id="261" r:id="rId7"/>
     <p:sldId id="262" r:id="rId8"/>
     <p:sldId id="263" r:id="rId9"/>
-    <p:sldId id="264" r:id="rId10"/>
-    <p:sldId id="265" r:id="rId11"/>
+    <p:sldId id="268" r:id="rId10"/>
+    <p:sldId id="264" r:id="rId11"/>
+    <p:sldId id="265" r:id="rId12"/>
+    <p:sldId id="267" r:id="rId13"/>
+    <p:sldId id="266" r:id="rId14"/>
   </p:sldIdLst>
   <p:sldSz cx="9144000" cy="6858000" type="screen4x3"/>
   <p:notesSz cx="6858000" cy="9144000"/>
@@ -3968,7 +3971,88 @@
             <a:pPr algn="l"/>
             <a:r>
               <a:rPr lang="en-US" dirty="0" smtClean="0"/>
-              <a:t>Rejection: Normal Distributions</a:t>
+              <a:t>Rejection</a:t>
+            </a:r>
+            <a:endParaRPr lang="en-US" dirty="0"/>
+          </a:p>
+        </p:txBody>
+      </p:sp>
+      <p:sp>
+        <p:nvSpPr>
+          <p:cNvPr id="4" name="Title 1"/>
+          <p:cNvSpPr txBox="1">
+            <a:spLocks/>
+          </p:cNvSpPr>
+          <p:nvPr/>
+        </p:nvSpPr>
+        <p:spPr>
+          <a:xfrm>
+            <a:off x="457200" y="274638"/>
+            <a:ext cx="8229600" cy="1143000"/>
+          </a:xfrm>
+          <a:prstGeom prst="rect">
+            <a:avLst/>
+          </a:prstGeom>
+        </p:spPr>
+        <p:txBody>
+          <a:bodyPr vert="horz" lIns="91440" tIns="45720" rIns="91440" bIns="45720" rtlCol="0" anchor="ctr">
+            <a:normAutofit/>
+          </a:bodyPr>
+          <a:lstStyle>
+            <a:lvl1pPr algn="ctr" defTabSz="914400" rtl="0" eaLnBrk="1" latinLnBrk="0" hangingPunct="1">
+              <a:spcBef>
+                <a:spcPct val="0"/>
+              </a:spcBef>
+              <a:buNone/>
+              <a:defRPr sz="4400" kern="1200">
+                <a:solidFill>
+                  <a:schemeClr val="tx1"/>
+                </a:solidFill>
+                <a:latin typeface="+mj-lt"/>
+                <a:ea typeface="+mj-ea"/>
+                <a:cs typeface="+mj-cs"/>
+              </a:defRPr>
+            </a:lvl1pPr>
+          </a:lstStyle>
+          <a:p>
+            <a:pPr algn="l"/>
+            <a:r>
+              <a:rPr lang="en-US" smtClean="0"/>
+              <a:t>Rejection</a:t>
+            </a:r>
+            <a:endParaRPr lang="en-US" dirty="0"/>
+          </a:p>
+        </p:txBody>
+      </p:sp>
+      <p:sp>
+        <p:nvSpPr>
+          <p:cNvPr id="5" name="TextBox 4"/>
+          <p:cNvSpPr txBox="1"/>
+          <p:nvPr/>
+        </p:nvSpPr>
+        <p:spPr>
+          <a:xfrm>
+            <a:off x="533400" y="1447800"/>
+            <a:ext cx="8153400" cy="646331"/>
+          </a:xfrm>
+          <a:prstGeom prst="rect">
+            <a:avLst/>
+          </a:prstGeom>
+          <a:noFill/>
+        </p:spPr>
+        <p:txBody>
+          <a:bodyPr wrap="square" rtlCol="0">
+            <a:spAutoFit/>
+          </a:bodyPr>
+          <a:lstStyle/>
+          <a:p>
+            <a:pPr marL="285750" indent="-285750">
+              <a:buFont typeface="Arial"/>
+              <a:buChar char="•"/>
+            </a:pPr>
+            <a:r>
+              <a:rPr lang="en-US" dirty="0" smtClean="0"/>
+              <a:t>Since not every guess is equal, we need a way of filtering out the obviously bad guesses. (Better to not guess, than to guess wrong in other words)</a:t>
             </a:r>
             <a:endParaRPr lang="en-US" dirty="0"/>
           </a:p>
@@ -3976,7 +4060,7 @@
       </p:sp>
       <p:pic>
         <p:nvPicPr>
-          <p:cNvPr id="5" name="Picture 4"/>
+          <p:cNvPr id="6" name="Picture 5"/>
           <p:cNvPicPr>
             <a:picLocks noChangeAspect="1"/>
           </p:cNvPicPr>
@@ -3996,18 +4080,846 @@
         </p:blipFill>
         <p:spPr>
           <a:xfrm>
-            <a:off x="2286000" y="1828800"/>
-            <a:ext cx="4455593" cy="3952875"/>
+            <a:off x="228600" y="2438400"/>
+            <a:ext cx="1762221" cy="1447800"/>
           </a:xfrm>
           <a:prstGeom prst="rect">
             <a:avLst/>
           </a:prstGeom>
         </p:spPr>
       </p:pic>
+      <p:sp>
+        <p:nvSpPr>
+          <p:cNvPr id="7" name="TextBox 6"/>
+          <p:cNvSpPr txBox="1"/>
+          <p:nvPr/>
+        </p:nvSpPr>
+        <p:spPr>
+          <a:xfrm>
+            <a:off x="228600" y="4038600"/>
+            <a:ext cx="1762221" cy="923330"/>
+          </a:xfrm>
+          <a:prstGeom prst="rect">
+            <a:avLst/>
+          </a:prstGeom>
+          <a:noFill/>
+        </p:spPr>
+        <p:txBody>
+          <a:bodyPr wrap="square" rtlCol="0">
+            <a:spAutoFit/>
+          </a:bodyPr>
+          <a:lstStyle/>
+          <a:p>
+            <a:r>
+              <a:rPr lang="en-US" dirty="0" smtClean="0"/>
+              <a:t>Is this a 1 or 2? Best to just reject it.</a:t>
+            </a:r>
+            <a:endParaRPr lang="en-US" dirty="0"/>
+          </a:p>
+        </p:txBody>
+      </p:sp>
+      <p:pic>
+        <p:nvPicPr>
+          <p:cNvPr id="8" name="Picture 7"/>
+          <p:cNvPicPr>
+            <a:picLocks noChangeAspect="1"/>
+          </p:cNvPicPr>
+          <p:nvPr/>
+        </p:nvPicPr>
+        <p:blipFill>
+          <a:blip r:embed="rId3">
+            <a:extLst>
+              <a:ext uri="{28A0092B-C50C-407E-A947-70E740481C1C}">
+                <a14:useLocalDpi xmlns:a14="http://schemas.microsoft.com/office/drawing/2010/main" val="0"/>
+              </a:ext>
+            </a:extLst>
+          </a:blip>
+          <a:stretch>
+            <a:fillRect/>
+          </a:stretch>
+        </p:blipFill>
+        <p:spPr>
+          <a:xfrm>
+            <a:off x="4561674" y="3671590"/>
+            <a:ext cx="1905000" cy="828675"/>
+          </a:xfrm>
+          <a:prstGeom prst="rect">
+            <a:avLst/>
+          </a:prstGeom>
+        </p:spPr>
+      </p:pic>
+      <p:pic>
+        <p:nvPicPr>
+          <p:cNvPr id="9" name="Picture 8"/>
+          <p:cNvPicPr>
+            <a:picLocks noChangeAspect="1"/>
+          </p:cNvPicPr>
+          <p:nvPr/>
+        </p:nvPicPr>
+        <p:blipFill>
+          <a:blip r:embed="rId4">
+            <a:extLst>
+              <a:ext uri="{28A0092B-C50C-407E-A947-70E740481C1C}">
+                <a14:useLocalDpi xmlns:a14="http://schemas.microsoft.com/office/drawing/2010/main" val="0"/>
+              </a:ext>
+            </a:extLst>
+          </a:blip>
+          <a:stretch>
+            <a:fillRect/>
+          </a:stretch>
+        </p:blipFill>
+        <p:spPr>
+          <a:xfrm>
+            <a:off x="6048642" y="2895600"/>
+            <a:ext cx="1905000" cy="828675"/>
+          </a:xfrm>
+          <a:prstGeom prst="rect">
+            <a:avLst/>
+          </a:prstGeom>
+        </p:spPr>
+      </p:pic>
+      <p:pic>
+        <p:nvPicPr>
+          <p:cNvPr id="10" name="Picture 9"/>
+          <p:cNvPicPr>
+            <a:picLocks noChangeAspect="1"/>
+          </p:cNvPicPr>
+          <p:nvPr/>
+        </p:nvPicPr>
+        <p:blipFill>
+          <a:blip r:embed="rId5">
+            <a:extLst>
+              <a:ext uri="{28A0092B-C50C-407E-A947-70E740481C1C}">
+                <a14:useLocalDpi xmlns:a14="http://schemas.microsoft.com/office/drawing/2010/main" val="0"/>
+              </a:ext>
+            </a:extLst>
+          </a:blip>
+          <a:stretch>
+            <a:fillRect/>
+          </a:stretch>
+        </p:blipFill>
+        <p:spPr>
+          <a:xfrm>
+            <a:off x="6096000" y="4005262"/>
+            <a:ext cx="1905000" cy="828675"/>
+          </a:xfrm>
+          <a:prstGeom prst="rect">
+            <a:avLst/>
+          </a:prstGeom>
+        </p:spPr>
+      </p:pic>
+      <p:pic>
+        <p:nvPicPr>
+          <p:cNvPr id="11" name="Picture 10"/>
+          <p:cNvPicPr>
+            <a:picLocks noChangeAspect="1"/>
+          </p:cNvPicPr>
+          <p:nvPr/>
+        </p:nvPicPr>
+        <p:blipFill>
+          <a:blip r:embed="rId6">
+            <a:extLst>
+              <a:ext uri="{28A0092B-C50C-407E-A947-70E740481C1C}">
+                <a14:useLocalDpi xmlns:a14="http://schemas.microsoft.com/office/drawing/2010/main" val="0"/>
+              </a:ext>
+            </a:extLst>
+          </a:blip>
+          <a:stretch>
+            <a:fillRect/>
+          </a:stretch>
+        </p:blipFill>
+        <p:spPr>
+          <a:xfrm>
+            <a:off x="4191000" y="2747962"/>
+            <a:ext cx="1905000" cy="828675"/>
+          </a:xfrm>
+          <a:prstGeom prst="rect">
+            <a:avLst/>
+          </a:prstGeom>
+        </p:spPr>
+      </p:pic>
+      <p:sp>
+        <p:nvSpPr>
+          <p:cNvPr id="12" name="TextBox 11"/>
+          <p:cNvSpPr txBox="1"/>
+          <p:nvPr/>
+        </p:nvSpPr>
+        <p:spPr>
+          <a:xfrm>
+            <a:off x="4953000" y="4743271"/>
+            <a:ext cx="3000642" cy="923330"/>
+          </a:xfrm>
+          <a:prstGeom prst="rect">
+            <a:avLst/>
+          </a:prstGeom>
+          <a:noFill/>
+        </p:spPr>
+        <p:txBody>
+          <a:bodyPr wrap="square" rtlCol="0">
+            <a:spAutoFit/>
+          </a:bodyPr>
+          <a:lstStyle/>
+          <a:p>
+            <a:r>
+              <a:rPr lang="en-US" dirty="0"/>
+              <a:t>T</a:t>
+            </a:r>
+            <a:r>
+              <a:rPr lang="en-US" dirty="0" smtClean="0"/>
+              <a:t>hese are just plain bad; we wouldn’t want these be picked up as anything at all.</a:t>
+            </a:r>
+            <a:endParaRPr lang="en-US" dirty="0"/>
+          </a:p>
+        </p:txBody>
+      </p:sp>
+    </p:spTree>
+    <p:extLst>
+      <p:ext uri="{BB962C8B-B14F-4D97-AF65-F5344CB8AC3E}">
+        <p14:creationId xmlns:p14="http://schemas.microsoft.com/office/powerpoint/2010/main" val="2452362062"/>
+      </p:ext>
+    </p:extLst>
+  </p:cSld>
+  <p:clrMapOvr>
+    <a:masterClrMapping/>
+  </p:clrMapOvr>
+</p:sld>
+</file>
+
+<file path=ppt/slides/slide11.xml><?xml version="1.0" encoding="utf-8"?>
+<p:sld xmlns:a="http://schemas.openxmlformats.org/drawingml/2006/main" xmlns:r="http://schemas.openxmlformats.org/officeDocument/2006/relationships" xmlns:p="http://schemas.openxmlformats.org/presentationml/2006/main">
+  <p:cSld>
+    <p:spTree>
+      <p:nvGrpSpPr>
+        <p:cNvPr id="1" name=""/>
+        <p:cNvGrpSpPr/>
+        <p:nvPr/>
+      </p:nvGrpSpPr>
+      <p:grpSpPr>
+        <a:xfrm>
+          <a:off x="0" y="0"/>
+          <a:ext cx="0" cy="0"/>
+          <a:chOff x="0" y="0"/>
+          <a:chExt cx="0" cy="0"/>
+        </a:xfrm>
+      </p:grpSpPr>
+      <p:sp>
+        <p:nvSpPr>
+          <p:cNvPr id="2" name="Title 1"/>
+          <p:cNvSpPr>
+            <a:spLocks noGrp="1"/>
+          </p:cNvSpPr>
+          <p:nvPr>
+            <p:ph type="title"/>
+          </p:nvPr>
+        </p:nvSpPr>
+        <p:spPr/>
+        <p:txBody>
+          <a:bodyPr>
+            <a:normAutofit/>
+          </a:bodyPr>
+          <a:lstStyle/>
+          <a:p>
+            <a:pPr algn="l"/>
+            <a:r>
+              <a:rPr lang="en-US" sz="2800" dirty="0" smtClean="0"/>
+              <a:t>Rejection: Normal Distributions</a:t>
+            </a:r>
+            <a:endParaRPr lang="en-US" sz="2800" dirty="0"/>
+          </a:p>
+        </p:txBody>
+      </p:sp>
+      <p:sp>
+        <p:nvSpPr>
+          <p:cNvPr id="3" name="TextBox 2"/>
+          <p:cNvSpPr txBox="1"/>
+          <p:nvPr/>
+        </p:nvSpPr>
+        <p:spPr>
+          <a:xfrm>
+            <a:off x="609600" y="1219200"/>
+            <a:ext cx="8001000" cy="923330"/>
+          </a:xfrm>
+          <a:prstGeom prst="rect">
+            <a:avLst/>
+          </a:prstGeom>
+          <a:noFill/>
+        </p:spPr>
+        <p:txBody>
+          <a:bodyPr wrap="square" rtlCol="0">
+            <a:spAutoFit/>
+          </a:bodyPr>
+          <a:lstStyle/>
+          <a:p>
+            <a:r>
+              <a:rPr lang="en-US" dirty="0" smtClean="0"/>
+              <a:t>Given a </a:t>
+            </a:r>
+            <a:r>
+              <a:rPr lang="en-US" b="1" dirty="0" smtClean="0"/>
+              <a:t>standard difference score </a:t>
+            </a:r>
+            <a:r>
+              <a:rPr lang="en-US" dirty="0" smtClean="0"/>
+              <a:t>we can plot a histogram of the good matches.  This gives us an idea how closely together correct guesses are. This is done on a large and various data sets. If we fit them to a </a:t>
+            </a:r>
+            <a:r>
+              <a:rPr lang="en-US" b="1" dirty="0" smtClean="0"/>
+              <a:t>normal curve</a:t>
+            </a:r>
+            <a:r>
+              <a:rPr lang="en-US" dirty="0" smtClean="0"/>
+              <a:t>…</a:t>
+            </a:r>
+            <a:endParaRPr lang="en-US" b="1" dirty="0"/>
+          </a:p>
+        </p:txBody>
+      </p:sp>
+      <p:pic>
+        <p:nvPicPr>
+          <p:cNvPr id="4" name="Picture 3"/>
+          <p:cNvPicPr>
+            <a:picLocks noChangeAspect="1"/>
+          </p:cNvPicPr>
+          <p:nvPr/>
+        </p:nvPicPr>
+        <p:blipFill>
+          <a:blip r:embed="rId2">
+            <a:extLst>
+              <a:ext uri="{28A0092B-C50C-407E-A947-70E740481C1C}">
+                <a14:useLocalDpi xmlns:a14="http://schemas.microsoft.com/office/drawing/2010/main" val="0"/>
+              </a:ext>
+            </a:extLst>
+          </a:blip>
+          <a:stretch>
+            <a:fillRect/>
+          </a:stretch>
+        </p:blipFill>
+        <p:spPr>
+          <a:xfrm>
+            <a:off x="342893" y="2142530"/>
+            <a:ext cx="4267207" cy="3200405"/>
+          </a:xfrm>
+          <a:prstGeom prst="rect">
+            <a:avLst/>
+          </a:prstGeom>
+        </p:spPr>
+      </p:pic>
+      <p:pic>
+        <p:nvPicPr>
+          <p:cNvPr id="6" name="Picture 5"/>
+          <p:cNvPicPr>
+            <a:picLocks noChangeAspect="1"/>
+          </p:cNvPicPr>
+          <p:nvPr/>
+        </p:nvPicPr>
+        <p:blipFill>
+          <a:blip r:embed="rId3">
+            <a:extLst>
+              <a:ext uri="{28A0092B-C50C-407E-A947-70E740481C1C}">
+                <a14:useLocalDpi xmlns:a14="http://schemas.microsoft.com/office/drawing/2010/main" val="0"/>
+              </a:ext>
+            </a:extLst>
+          </a:blip>
+          <a:stretch>
+            <a:fillRect/>
+          </a:stretch>
+        </p:blipFill>
+        <p:spPr>
+          <a:xfrm>
+            <a:off x="4572000" y="2275879"/>
+            <a:ext cx="4077495" cy="3058121"/>
+          </a:xfrm>
+          <a:prstGeom prst="rect">
+            <a:avLst/>
+          </a:prstGeom>
+        </p:spPr>
+      </p:pic>
+      <p:sp>
+        <p:nvSpPr>
+          <p:cNvPr id="7" name="TextBox 6"/>
+          <p:cNvSpPr txBox="1"/>
+          <p:nvPr/>
+        </p:nvSpPr>
+        <p:spPr>
+          <a:xfrm>
+            <a:off x="762000" y="5486400"/>
+            <a:ext cx="7543800" cy="923330"/>
+          </a:xfrm>
+          <a:prstGeom prst="rect">
+            <a:avLst/>
+          </a:prstGeom>
+          <a:noFill/>
+        </p:spPr>
+        <p:txBody>
+          <a:bodyPr wrap="square" rtlCol="0">
+            <a:spAutoFit/>
+          </a:bodyPr>
+          <a:lstStyle/>
+          <a:p>
+            <a:r>
+              <a:rPr lang="en-US" dirty="0" smtClean="0"/>
+              <a:t>In the case of higher accuracy numbers, data fits the normal curve much better. In cases where accuracy is generally not so good, the curve does not fit well.</a:t>
+            </a:r>
+            <a:endParaRPr lang="en-US" dirty="0"/>
+          </a:p>
+        </p:txBody>
+      </p:sp>
+      <p:sp>
+        <p:nvSpPr>
+          <p:cNvPr id="8" name="TextBox 7"/>
+          <p:cNvSpPr txBox="1"/>
+          <p:nvPr/>
+        </p:nvSpPr>
+        <p:spPr>
+          <a:xfrm>
+            <a:off x="838200" y="5163979"/>
+            <a:ext cx="3505200" cy="246221"/>
+          </a:xfrm>
+          <a:prstGeom prst="rect">
+            <a:avLst/>
+          </a:prstGeom>
+          <a:noFill/>
+        </p:spPr>
+        <p:txBody>
+          <a:bodyPr wrap="square" rtlCol="0">
+            <a:spAutoFit/>
+          </a:bodyPr>
+          <a:lstStyle/>
+          <a:p>
+            <a:pPr algn="ctr"/>
+            <a:r>
+              <a:rPr lang="en-US" sz="1000" b="1" dirty="0" smtClean="0"/>
+              <a:t>70-100% accuracy on data (depends on font)</a:t>
+            </a:r>
+            <a:endParaRPr lang="en-US" sz="1000" b="1" dirty="0"/>
+          </a:p>
+        </p:txBody>
+      </p:sp>
+      <p:sp>
+        <p:nvSpPr>
+          <p:cNvPr id="9" name="TextBox 8"/>
+          <p:cNvSpPr txBox="1"/>
+          <p:nvPr/>
+        </p:nvSpPr>
+        <p:spPr>
+          <a:xfrm>
+            <a:off x="4858147" y="5185617"/>
+            <a:ext cx="3505200" cy="246221"/>
+          </a:xfrm>
+          <a:prstGeom prst="rect">
+            <a:avLst/>
+          </a:prstGeom>
+          <a:noFill/>
+        </p:spPr>
+        <p:txBody>
+          <a:bodyPr wrap="square" rtlCol="0">
+            <a:spAutoFit/>
+          </a:bodyPr>
+          <a:lstStyle/>
+          <a:p>
+            <a:pPr algn="ctr"/>
+            <a:r>
+              <a:rPr lang="en-US" sz="1000" b="1" dirty="0" smtClean="0"/>
+              <a:t>36% accuracy on data</a:t>
+            </a:r>
+            <a:endParaRPr lang="en-US" sz="1000" b="1" dirty="0"/>
+          </a:p>
+        </p:txBody>
+      </p:sp>
     </p:spTree>
     <p:extLst>
       <p:ext uri="{BB962C8B-B14F-4D97-AF65-F5344CB8AC3E}">
         <p14:creationId xmlns:p14="http://schemas.microsoft.com/office/powerpoint/2010/main" val="4172277700"/>
+      </p:ext>
+    </p:extLst>
+  </p:cSld>
+  <p:clrMapOvr>
+    <a:masterClrMapping/>
+  </p:clrMapOvr>
+</p:sld>
+</file>
+
+<file path=ppt/slides/slide12.xml><?xml version="1.0" encoding="utf-8"?>
+<p:sld xmlns:a="http://schemas.openxmlformats.org/drawingml/2006/main" xmlns:r="http://schemas.openxmlformats.org/officeDocument/2006/relationships" xmlns:p="http://schemas.openxmlformats.org/presentationml/2006/main">
+  <p:cSld>
+    <p:spTree>
+      <p:nvGrpSpPr>
+        <p:cNvPr id="1" name=""/>
+        <p:cNvGrpSpPr/>
+        <p:nvPr/>
+      </p:nvGrpSpPr>
+      <p:grpSpPr>
+        <a:xfrm>
+          <a:off x="0" y="0"/>
+          <a:ext cx="0" cy="0"/>
+          <a:chOff x="0" y="0"/>
+          <a:chExt cx="0" cy="0"/>
+        </a:xfrm>
+      </p:grpSpPr>
+      <p:sp>
+        <p:nvSpPr>
+          <p:cNvPr id="2" name="Title 1"/>
+          <p:cNvSpPr>
+            <a:spLocks noGrp="1"/>
+          </p:cNvSpPr>
+          <p:nvPr>
+            <p:ph type="title"/>
+          </p:nvPr>
+        </p:nvSpPr>
+        <p:spPr/>
+        <p:txBody>
+          <a:bodyPr>
+            <a:normAutofit fontScale="90000"/>
+          </a:bodyPr>
+          <a:lstStyle/>
+          <a:p>
+            <a:pPr algn="l"/>
+            <a:r>
+              <a:rPr lang="en-US" dirty="0" smtClean="0"/>
+              <a:t>Rejection: Performing the Rejection</a:t>
+            </a:r>
+            <a:endParaRPr lang="en-US" dirty="0"/>
+          </a:p>
+        </p:txBody>
+      </p:sp>
+      <p:sp>
+        <p:nvSpPr>
+          <p:cNvPr id="4" name="TextBox 3"/>
+          <p:cNvSpPr txBox="1"/>
+          <p:nvPr/>
+        </p:nvSpPr>
+        <p:spPr>
+          <a:xfrm>
+            <a:off x="609600" y="1447800"/>
+            <a:ext cx="8229600" cy="4339650"/>
+          </a:xfrm>
+          <a:prstGeom prst="rect">
+            <a:avLst/>
+          </a:prstGeom>
+          <a:noFill/>
+        </p:spPr>
+        <p:txBody>
+          <a:bodyPr wrap="square" rtlCol="0">
+            <a:spAutoFit/>
+          </a:bodyPr>
+          <a:lstStyle/>
+          <a:p>
+            <a:r>
+              <a:rPr lang="en-US" dirty="0" smtClean="0"/>
+              <a:t>If….</a:t>
+            </a:r>
+          </a:p>
+          <a:p>
+            <a:endParaRPr lang="en-US" dirty="0"/>
+          </a:p>
+          <a:p>
+            <a:pPr marL="285750" indent="-285750">
+              <a:buFont typeface="Arial"/>
+              <a:buChar char="•"/>
+            </a:pPr>
+            <a:r>
+              <a:rPr lang="en-US" dirty="0" smtClean="0"/>
+              <a:t>We guess a symbol that is known to be approximately normal? We can simply check if the data is </a:t>
+            </a:r>
+            <a:r>
+              <a:rPr lang="en-US" b="1" dirty="0" smtClean="0"/>
+              <a:t>two standard deviations. </a:t>
+            </a:r>
+            <a:r>
+              <a:rPr lang="en-US" dirty="0" smtClean="0"/>
+              <a:t>This gives 95% confidence to reject if it’s above. (This is adjustable; since we’re “approximately” normal we can tweak to fit our confidence </a:t>
+            </a:r>
+            <a:r>
+              <a:rPr lang="en-US" dirty="0"/>
+              <a:t>requirements)</a:t>
+            </a:r>
+            <a:br>
+              <a:rPr lang="en-US" dirty="0"/>
+            </a:br>
+            <a:r>
+              <a:rPr lang="en-US" dirty="0" smtClean="0"/>
+              <a:t/>
+            </a:r>
+            <a:br>
+              <a:rPr lang="en-US" dirty="0" smtClean="0"/>
+            </a:br>
+            <a:r>
+              <a:rPr lang="en-US" sz="1200" i="1" dirty="0" smtClean="0"/>
+              <a:t>(Based on the work of: </a:t>
+            </a:r>
+            <a:r>
+              <a:rPr lang="en-US" sz="1200" i="1" dirty="0" err="1" smtClean="0"/>
+              <a:t>D’Agostino</a:t>
+            </a:r>
+            <a:r>
+              <a:rPr lang="en-US" sz="1200" i="1" dirty="0" smtClean="0"/>
+              <a:t>, R. B. (1971), “An omnibus test of normality for moderate and large sample size,” </a:t>
+            </a:r>
+            <a:r>
+              <a:rPr lang="en-US" sz="1200" i="1" dirty="0" err="1" smtClean="0"/>
+              <a:t>Biometrika</a:t>
+            </a:r>
+            <a:r>
+              <a:rPr lang="en-US" sz="1200" i="1" dirty="0" smtClean="0"/>
+              <a:t>, 58, 341-348)</a:t>
+            </a:r>
+            <a:endParaRPr lang="en-US" sz="1200" i="1" dirty="0"/>
+          </a:p>
+          <a:p>
+            <a:pPr marL="285750" indent="-285750">
+              <a:buFont typeface="Arial"/>
+              <a:buChar char="•"/>
+            </a:pPr>
+            <a:endParaRPr lang="en-US" dirty="0" smtClean="0"/>
+          </a:p>
+          <a:p>
+            <a:pPr marL="285750" indent="-285750">
+              <a:buFont typeface="Arial"/>
+              <a:buChar char="•"/>
+            </a:pPr>
+            <a:endParaRPr lang="en-US" dirty="0"/>
+          </a:p>
+          <a:p>
+            <a:pPr marL="285750" indent="-285750">
+              <a:buFont typeface="Arial"/>
+              <a:buChar char="•"/>
+            </a:pPr>
+            <a:r>
+              <a:rPr lang="en-US" dirty="0" smtClean="0"/>
+              <a:t>We guess a symbol that is known to not be approximately normal? Things are trickier; we could interpolate or take a median value and suffers a 50% confident rate (on the known data). The results are not nearly as nice. Most rejections of good data are because of this.</a:t>
+            </a:r>
+          </a:p>
+          <a:p>
+            <a:pPr marL="285750" indent="-285750">
+              <a:buFont typeface="Arial"/>
+              <a:buChar char="•"/>
+            </a:pPr>
+            <a:endParaRPr lang="en-US" b="1" dirty="0"/>
+          </a:p>
+        </p:txBody>
+      </p:sp>
+    </p:spTree>
+    <p:extLst>
+      <p:ext uri="{BB962C8B-B14F-4D97-AF65-F5344CB8AC3E}">
+        <p14:creationId xmlns:p14="http://schemas.microsoft.com/office/powerpoint/2010/main" val="711729880"/>
+      </p:ext>
+    </p:extLst>
+  </p:cSld>
+  <p:clrMapOvr>
+    <a:masterClrMapping/>
+  </p:clrMapOvr>
+</p:sld>
+</file>
+
+<file path=ppt/slides/slide13.xml><?xml version="1.0" encoding="utf-8"?>
+<p:sld xmlns:a="http://schemas.openxmlformats.org/drawingml/2006/main" xmlns:r="http://schemas.openxmlformats.org/officeDocument/2006/relationships" xmlns:p="http://schemas.openxmlformats.org/presentationml/2006/main">
+  <p:cSld>
+    <p:spTree>
+      <p:nvGrpSpPr>
+        <p:cNvPr id="1" name=""/>
+        <p:cNvGrpSpPr/>
+        <p:nvPr/>
+      </p:nvGrpSpPr>
+      <p:grpSpPr>
+        <a:xfrm>
+          <a:off x="0" y="0"/>
+          <a:ext cx="0" cy="0"/>
+          <a:chOff x="0" y="0"/>
+          <a:chExt cx="0" cy="0"/>
+        </a:xfrm>
+      </p:grpSpPr>
+      <p:sp>
+        <p:nvSpPr>
+          <p:cNvPr id="2" name="Title 1"/>
+          <p:cNvSpPr>
+            <a:spLocks noGrp="1"/>
+          </p:cNvSpPr>
+          <p:nvPr>
+            <p:ph type="title"/>
+          </p:nvPr>
+        </p:nvSpPr>
+        <p:spPr/>
+        <p:txBody>
+          <a:bodyPr/>
+          <a:lstStyle/>
+          <a:p>
+            <a:pPr algn="l"/>
+            <a:r>
+              <a:rPr lang="en-US" dirty="0" smtClean="0"/>
+              <a:t>Post-Mortem</a:t>
+            </a:r>
+            <a:endParaRPr lang="en-US" dirty="0"/>
+          </a:p>
+        </p:txBody>
+      </p:sp>
+      <p:sp>
+        <p:nvSpPr>
+          <p:cNvPr id="4" name="TextBox 3"/>
+          <p:cNvSpPr txBox="1"/>
+          <p:nvPr/>
+        </p:nvSpPr>
+        <p:spPr>
+          <a:xfrm>
+            <a:off x="609600" y="1447800"/>
+            <a:ext cx="3962400" cy="3970318"/>
+          </a:xfrm>
+          <a:prstGeom prst="rect">
+            <a:avLst/>
+          </a:prstGeom>
+          <a:noFill/>
+        </p:spPr>
+        <p:txBody>
+          <a:bodyPr wrap="square" rtlCol="0">
+            <a:spAutoFit/>
+          </a:bodyPr>
+          <a:lstStyle/>
+          <a:p>
+            <a:r>
+              <a:rPr lang="en-US" b="1" dirty="0" smtClean="0"/>
+              <a:t>Advantages</a:t>
+            </a:r>
+          </a:p>
+          <a:p>
+            <a:endParaRPr lang="en-US" b="1" dirty="0"/>
+          </a:p>
+          <a:p>
+            <a:pPr marL="285750" indent="-285750">
+              <a:buFont typeface="Arial"/>
+              <a:buChar char="•"/>
+            </a:pPr>
+            <a:r>
+              <a:rPr lang="en-US" dirty="0" smtClean="0"/>
+              <a:t>Implementation is simple, computation is cheap</a:t>
+            </a:r>
+          </a:p>
+          <a:p>
+            <a:pPr marL="285750" indent="-285750">
+              <a:buFont typeface="Arial"/>
+              <a:buChar char="•"/>
+            </a:pPr>
+            <a:r>
+              <a:rPr lang="en-US" dirty="0" smtClean="0"/>
+              <a:t>When distributions are normal, rejection gives adjustable confidence</a:t>
+            </a:r>
+          </a:p>
+          <a:p>
+            <a:pPr marL="285750" indent="-285750">
+              <a:buFont typeface="Arial"/>
+              <a:buChar char="•"/>
+            </a:pPr>
+            <a:r>
+              <a:rPr lang="en-US" dirty="0" smtClean="0"/>
+              <a:t>Vectors are easy to weight – this allows for adjustments to the score</a:t>
+            </a:r>
+          </a:p>
+          <a:p>
+            <a:pPr marL="285750" indent="-285750">
+              <a:buFont typeface="Arial"/>
+              <a:buChar char="•"/>
+            </a:pPr>
+            <a:r>
+              <a:rPr lang="en-US" dirty="0" smtClean="0"/>
+              <a:t>Allows the introduction of new feature vectors with minimal effort</a:t>
+            </a:r>
+          </a:p>
+          <a:p>
+            <a:pPr marL="285750" indent="-285750">
+              <a:buFont typeface="Arial"/>
+              <a:buChar char="•"/>
+            </a:pPr>
+            <a:r>
+              <a:rPr lang="en-US" dirty="0" smtClean="0"/>
+              <a:t>Works with both handwritten data and computer fonts</a:t>
+            </a:r>
+          </a:p>
+          <a:p>
+            <a:pPr marL="285750" indent="-285750">
+              <a:buFont typeface="Arial"/>
+              <a:buChar char="•"/>
+            </a:pPr>
+            <a:r>
+              <a:rPr lang="en-US" dirty="0" smtClean="0"/>
+              <a:t>Capable of rejecting arbitrary symbols in many cases</a:t>
+            </a:r>
+          </a:p>
+        </p:txBody>
+      </p:sp>
+      <p:sp>
+        <p:nvSpPr>
+          <p:cNvPr id="5" name="TextBox 4"/>
+          <p:cNvSpPr txBox="1"/>
+          <p:nvPr/>
+        </p:nvSpPr>
+        <p:spPr>
+          <a:xfrm>
+            <a:off x="4960121" y="1447800"/>
+            <a:ext cx="3962400" cy="2862322"/>
+          </a:xfrm>
+          <a:prstGeom prst="rect">
+            <a:avLst/>
+          </a:prstGeom>
+          <a:noFill/>
+        </p:spPr>
+        <p:txBody>
+          <a:bodyPr wrap="square" rtlCol="0">
+            <a:spAutoFit/>
+          </a:bodyPr>
+          <a:lstStyle/>
+          <a:p>
+            <a:r>
+              <a:rPr lang="en-US" b="1" dirty="0" smtClean="0"/>
+              <a:t>Disadvantages</a:t>
+            </a:r>
+          </a:p>
+          <a:p>
+            <a:endParaRPr lang="en-US" b="1" dirty="0"/>
+          </a:p>
+          <a:p>
+            <a:pPr marL="285750" indent="-285750">
+              <a:buFont typeface="Arial"/>
+              <a:buChar char="•"/>
+            </a:pPr>
+            <a:r>
+              <a:rPr lang="en-US" dirty="0" smtClean="0"/>
+              <a:t>Poor performance on some symbols (such as 1’s, looks too similar to 2)</a:t>
+            </a:r>
+          </a:p>
+          <a:p>
+            <a:pPr marL="285750" indent="-285750">
+              <a:buFont typeface="Arial"/>
+              <a:buChar char="•"/>
+            </a:pPr>
+            <a:r>
+              <a:rPr lang="en-US" dirty="0" smtClean="0"/>
+              <a:t>Scoring system can sometimes introduce bias</a:t>
+            </a:r>
+          </a:p>
+          <a:p>
+            <a:pPr marL="285750" indent="-285750">
+              <a:buFont typeface="Arial"/>
+              <a:buChar char="•"/>
+            </a:pPr>
+            <a:r>
+              <a:rPr lang="en-US" dirty="0" smtClean="0"/>
+              <a:t>Rejection is only as good as the accuracy of the symbol detection </a:t>
+            </a:r>
+          </a:p>
+          <a:p>
+            <a:pPr marL="285750" indent="-285750">
+              <a:buFont typeface="Arial"/>
+              <a:buChar char="•"/>
+            </a:pPr>
+            <a:r>
+              <a:rPr lang="en-US" dirty="0" smtClean="0"/>
+              <a:t>Rejection requires computing heavy distribution tables on trainings</a:t>
+            </a:r>
+          </a:p>
+        </p:txBody>
+      </p:sp>
+    </p:spTree>
+    <p:extLst>
+      <p:ext uri="{BB962C8B-B14F-4D97-AF65-F5344CB8AC3E}">
+        <p14:creationId xmlns:p14="http://schemas.microsoft.com/office/powerpoint/2010/main" val="2476428091"/>
       </p:ext>
     </p:extLst>
   </p:cSld>
@@ -4268,7 +5180,7 @@
         <p:spPr>
           <a:xfrm>
             <a:off x="3124200" y="1524000"/>
-            <a:ext cx="5791200" cy="3693319"/>
+            <a:ext cx="5791200" cy="3970318"/>
           </a:xfrm>
           <a:prstGeom prst="rect">
             <a:avLst/>
@@ -4312,39 +5224,7 @@
             </a:r>
             <a:r>
               <a:rPr lang="en-US" dirty="0" smtClean="0"/>
-              <a:t>results on its own and </a:t>
-            </a:r>
-            <a:r>
-              <a:rPr lang="en-US" dirty="0" smtClean="0"/>
-              <a:t>is </a:t>
-            </a:r>
-            <a:r>
-              <a:rPr lang="en-US" dirty="0" smtClean="0"/>
-              <a:t>simple </a:t>
-            </a:r>
-            <a:r>
-              <a:rPr lang="en-US" dirty="0" smtClean="0"/>
-              <a:t>to </a:t>
-            </a:r>
-            <a:r>
-              <a:rPr lang="en-US" dirty="0" smtClean="0"/>
-              <a:t>implement. </a:t>
-            </a:r>
-            <a:r>
-              <a:rPr lang="en-US" dirty="0" smtClean="0"/>
-              <a:t>The percentage of black pixels</a:t>
-            </a:r>
-            <a:r>
-              <a:rPr lang="en-US" dirty="0" smtClean="0"/>
-              <a:t> </a:t>
-            </a:r>
-            <a:r>
-              <a:rPr lang="en-US" dirty="0" smtClean="0"/>
-              <a:t>is taken for each </a:t>
-            </a:r>
-            <a:r>
-              <a:rPr lang="en-US" dirty="0" smtClean="0"/>
-              <a:t>block in the image. </a:t>
+              <a:t>results on its own and is simple to implement. The percentage of black pixels is taken for each block in the image. </a:t>
             </a:r>
             <a:endParaRPr lang="en-US" dirty="0"/>
           </a:p>
@@ -4362,11 +5242,11 @@
             </a:pPr>
             <a:r>
               <a:rPr lang="en-US" dirty="0" smtClean="0"/>
-              <a:t>We also added normalization to this feature vector </a:t>
-            </a:r>
-            <a:r>
-              <a:rPr lang="en-US" dirty="0" smtClean="0"/>
-              <a:t>by dividing each value in the vector by the vectors sum</a:t>
+              <a:t>We also added normalization to this feature vector by dividing each value in the vector by the vectors </a:t>
+            </a:r>
+            <a:r>
+              <a:rPr lang="en-US" dirty="0" smtClean="0"/>
+              <a:t>sum (weighting)</a:t>
             </a:r>
             <a:endParaRPr lang="en-US" dirty="0" smtClean="0"/>
           </a:p>
@@ -4471,7 +5351,7 @@
         <p:spPr>
           <a:xfrm>
             <a:off x="3124200" y="1524000"/>
-            <a:ext cx="5791200" cy="5078313"/>
+            <a:ext cx="5791200" cy="4801314"/>
           </a:xfrm>
           <a:prstGeom prst="rect">
             <a:avLst/>
@@ -4545,7 +5425,15 @@
             </a:r>
             <a:r>
               <a:rPr lang="en-US" dirty="0" smtClean="0"/>
-              <a:t>on only the bottom-right section of the image (pictured below) which are quite unique! The values are unique now and can break the tie. (Block size applies)</a:t>
+              <a:t>on only the bottom-right section of the </a:t>
+            </a:r>
+            <a:r>
+              <a:rPr lang="en-US" dirty="0" smtClean="0"/>
+              <a:t>image. </a:t>
+            </a:r>
+            <a:r>
+              <a:rPr lang="en-US" dirty="0" smtClean="0"/>
+              <a:t>The values are unique now and can break the tie. (Block size applies)</a:t>
             </a:r>
           </a:p>
           <a:p>
@@ -4788,39 +5676,7 @@
             </a:pPr>
             <a:r>
               <a:rPr lang="en-US" dirty="0" smtClean="0"/>
-              <a:t>The two images to the left </a:t>
-            </a:r>
-            <a:r>
-              <a:rPr lang="en-US" dirty="0" smtClean="0"/>
-              <a:t>have </a:t>
-            </a:r>
-            <a:r>
-              <a:rPr lang="en-US" dirty="0" smtClean="0"/>
-              <a:t>similar top left </a:t>
-            </a:r>
-            <a:r>
-              <a:rPr lang="en-US" dirty="0" smtClean="0"/>
-              <a:t>segments. </a:t>
-            </a:r>
-            <a:r>
-              <a:rPr lang="en-US" dirty="0" smtClean="0"/>
-              <a:t>The </a:t>
-            </a:r>
-            <a:r>
-              <a:rPr lang="en-US" dirty="0" smtClean="0"/>
-              <a:t>lower left segment for each image has roughly </a:t>
-            </a:r>
-            <a:r>
-              <a:rPr lang="en-US" dirty="0" smtClean="0"/>
-              <a:t>the same pixel </a:t>
-            </a:r>
-            <a:r>
-              <a:rPr lang="en-US" dirty="0" smtClean="0"/>
-              <a:t>ratio. </a:t>
-            </a:r>
-            <a:r>
-              <a:rPr lang="en-US" dirty="0" smtClean="0"/>
-              <a:t>This will make zoning identity them as similar. (And if they were in the bottom-right, the Bottom-Right Discriminator as well)</a:t>
+              <a:t>The two images to the left have similar top left segments. The lower left segment for each image has roughly the same pixel ratio. This will make zoning identity them as similar. (And if they were in the bottom-right, the Bottom-Right Discriminator as well)</a:t>
             </a:r>
             <a:endParaRPr lang="en-US" dirty="0"/>
           </a:p>
@@ -4850,15 +5706,7 @@
             </a:r>
             <a:r>
               <a:rPr lang="en-US" dirty="0" smtClean="0"/>
-              <a:t>dimensions on the interval [0..1]. These </a:t>
-            </a:r>
-            <a:r>
-              <a:rPr lang="en-US" dirty="0" smtClean="0"/>
-              <a:t>are recorded as </a:t>
-            </a:r>
-            <a:r>
-              <a:rPr lang="en-US" dirty="0" smtClean="0"/>
-              <a:t>separate features. </a:t>
+              <a:t>dimensions on the interval [0..1]. These are recorded as separate features. </a:t>
             </a:r>
             <a:br>
               <a:rPr lang="en-US" dirty="0" smtClean="0"/>
@@ -5203,7 +6051,31 @@
             </a:pPr>
             <a:r>
               <a:rPr lang="en-US" dirty="0" smtClean="0"/>
-              <a:t>First the percentage of black pixels in n rows and n columns are obtained</a:t>
+              <a:t>First the percentage of black pixels in </a:t>
+            </a:r>
+            <a:r>
+              <a:rPr lang="en-US" b="1" dirty="0" smtClean="0"/>
+              <a:t>N</a:t>
+            </a:r>
+            <a:r>
+              <a:rPr lang="en-US" dirty="0" smtClean="0"/>
+              <a:t> </a:t>
+            </a:r>
+            <a:r>
+              <a:rPr lang="en-US" dirty="0" smtClean="0"/>
+              <a:t>rows and </a:t>
+            </a:r>
+            <a:r>
+              <a:rPr lang="en-US" b="1" dirty="0" smtClean="0"/>
+              <a:t>N</a:t>
+            </a:r>
+            <a:r>
+              <a:rPr lang="en-US" dirty="0" smtClean="0"/>
+              <a:t> </a:t>
+            </a:r>
+            <a:r>
+              <a:rPr lang="en-US" dirty="0" smtClean="0"/>
+              <a:t>columns are obtained</a:t>
             </a:r>
           </a:p>
           <a:p>
@@ -5721,13 +6593,8 @@
             </a:r>
             <a:r>
               <a:rPr lang="en-US" sz="1600" dirty="0" smtClean="0"/>
-              <a:t>for each feature we’re interested in for </a:t>
-            </a:r>
-            <a:r>
-              <a:rPr lang="en-US" sz="1600" dirty="0" smtClean="0"/>
-              <a:t>every glyph we add.</a:t>
-            </a:r>
-            <a:endParaRPr lang="en-US" sz="1600" dirty="0" smtClean="0"/>
+              <a:t>for each feature we’re interested in for every glyph we add.</a:t>
+            </a:r>
           </a:p>
           <a:p>
             <a:r>
@@ -6622,7 +7489,7 @@
         <p:spPr>
           <a:xfrm>
             <a:off x="457200" y="1371600"/>
-            <a:ext cx="8458200" cy="1754326"/>
+            <a:ext cx="8458200" cy="2031325"/>
           </a:xfrm>
           <a:prstGeom prst="rect">
             <a:avLst/>
@@ -6641,7 +7508,15 @@
             </a:pPr>
             <a:r>
               <a:rPr lang="en-US" dirty="0" smtClean="0"/>
-              <a:t>We pre-process the image and extract features the exact same way we were train it.</a:t>
+              <a:t>We pre-process the image and extract features the exact same way we </a:t>
+            </a:r>
+            <a:r>
+              <a:rPr lang="en-US" dirty="0" smtClean="0"/>
+              <a:t>were to </a:t>
+            </a:r>
+            <a:r>
+              <a:rPr lang="en-US" dirty="0" smtClean="0"/>
+              <a:t>train it.</a:t>
             </a:r>
           </a:p>
           <a:p>
@@ -6666,15 +7541,7 @@
             </a:r>
             <a:r>
               <a:rPr lang="en-US" dirty="0" smtClean="0"/>
-              <a:t>in the training database against the extracted features. For each different vector, we take the </a:t>
-            </a:r>
-            <a:r>
-              <a:rPr lang="en-US" dirty="0" smtClean="0"/>
-              <a:t>          1-norm</a:t>
-            </a:r>
-            <a:r>
-              <a:rPr lang="en-US" dirty="0" smtClean="0"/>
-              <a:t>:</a:t>
+              <a:t>in the training database against the extracted features. For each different vector, we take the           1-norm:</a:t>
             </a:r>
           </a:p>
           <a:p>
@@ -6882,19 +7749,11 @@
             </a:br>
             <a:r>
               <a:rPr lang="en-US" dirty="0" smtClean="0"/>
-              <a:t>The </a:t>
-            </a:r>
-            <a:r>
-              <a:rPr lang="en-US" dirty="0" smtClean="0"/>
-              <a:t>symbol </a:t>
-            </a:r>
-            <a:r>
-              <a:rPr lang="en-US" smtClean="0"/>
-              <a:t>that </a:t>
-            </a:r>
-            <a:r>
-              <a:rPr lang="en-US" smtClean="0"/>
-              <a:t>receives </a:t>
+              <a:t>The symbol </a:t>
+            </a:r>
+            <a:r>
+              <a:rPr lang="en-US" smtClean="0"/>
+              <a:t>that receives </a:t>
             </a:r>
             <a:r>
               <a:rPr lang="en-US" dirty="0" smtClean="0"/>
@@ -6952,7 +7811,7 @@
             <a:pPr algn="l"/>
             <a:r>
               <a:rPr lang="en-US" dirty="0" smtClean="0"/>
-              <a:t>Rejection</a:t>
+              <a:t>OCR Process: Weighted Norm</a:t>
             </a:r>
             <a:endParaRPr lang="en-US" dirty="0"/>
           </a:p>
@@ -6960,27 +7819,105 @@
       </p:sp>
       <p:sp>
         <p:nvSpPr>
-          <p:cNvPr id="3" name="Content Placeholder 2"/>
-          <p:cNvSpPr>
-            <a:spLocks noGrp="1"/>
-          </p:cNvSpPr>
-          <p:nvPr>
-            <p:ph idx="1"/>
-          </p:nvPr>
-        </p:nvSpPr>
-        <p:spPr/>
-        <p:txBody>
-          <a:bodyPr/>
-          <a:lstStyle/>
-          <a:p>
-            <a:endParaRPr lang="en-US"/>
+          <p:cNvPr id="4" name="TextBox 3"/>
+          <p:cNvSpPr txBox="1"/>
+          <p:nvPr/>
+        </p:nvSpPr>
+        <p:spPr>
+          <a:xfrm>
+            <a:off x="533400" y="1371600"/>
+            <a:ext cx="7848600" cy="4524315"/>
+          </a:xfrm>
+          <a:prstGeom prst="rect">
+            <a:avLst/>
+          </a:prstGeom>
+          <a:noFill/>
+        </p:spPr>
+        <p:txBody>
+          <a:bodyPr wrap="square" rtlCol="0">
+            <a:spAutoFit/>
+          </a:bodyPr>
+          <a:lstStyle/>
+          <a:p>
+            <a:r>
+              <a:rPr lang="en-US" sz="2400" dirty="0" smtClean="0"/>
+              <a:t>Since all vector values are normalized on </a:t>
+            </a:r>
+            <a:r>
+              <a:rPr lang="en-US" sz="2400" b="1" dirty="0" smtClean="0">
+                <a:latin typeface="Consolas" pitchFamily="49" charset="0"/>
+                <a:cs typeface="Consolas" pitchFamily="49" charset="0"/>
+              </a:rPr>
+              <a:t>[0…1]</a:t>
+            </a:r>
+            <a:r>
+              <a:rPr lang="en-US" sz="2400" dirty="0" smtClean="0"/>
+              <a:t>, </a:t>
+            </a:r>
+            <a:r>
+              <a:rPr lang="en-US" sz="2400" dirty="0" smtClean="0">
+                <a:latin typeface="+mj-lt"/>
+              </a:rPr>
+              <a:t>this means that all features which differ will cap at a maximum norm value (for a 3 slot vector, this is 3).</a:t>
+            </a:r>
+          </a:p>
+          <a:p>
+            <a:endParaRPr lang="en-US" sz="2400" dirty="0">
+              <a:latin typeface="+mj-lt"/>
+            </a:endParaRPr>
+          </a:p>
+          <a:p>
+            <a:r>
+              <a:rPr lang="en-US" sz="2400" dirty="0" smtClean="0">
+                <a:latin typeface="+mj-lt"/>
+              </a:rPr>
+              <a:t>This makes every feature potentially equally as important. In our case, we wanted the </a:t>
+            </a:r>
+            <a:r>
+              <a:rPr lang="en-US" sz="2400" b="1" dirty="0" smtClean="0">
+                <a:latin typeface="+mj-lt"/>
+              </a:rPr>
+              <a:t>discriminator feature </a:t>
+            </a:r>
+            <a:r>
+              <a:rPr lang="en-US" sz="2400" dirty="0" smtClean="0">
+                <a:latin typeface="+mj-lt"/>
+              </a:rPr>
+              <a:t>to have more weight in the resulting feature.</a:t>
+            </a:r>
+          </a:p>
+          <a:p>
+            <a:endParaRPr lang="en-US" sz="2400" dirty="0">
+              <a:latin typeface="+mj-lt"/>
+            </a:endParaRPr>
+          </a:p>
+          <a:p>
+            <a:r>
+              <a:rPr lang="en-US" sz="2400" dirty="0" smtClean="0">
+                <a:latin typeface="+mj-lt"/>
+              </a:rPr>
+              <a:t>The solution was to simply scale the out vector to a range of </a:t>
+            </a:r>
+            <a:r>
+              <a:rPr lang="en-US" sz="2400" b="1" dirty="0" smtClean="0">
+                <a:latin typeface="Consolas" pitchFamily="49" charset="0"/>
+                <a:cs typeface="Consolas" pitchFamily="49" charset="0"/>
+              </a:rPr>
+              <a:t>[0..2]</a:t>
+            </a:r>
+            <a:r>
+              <a:rPr lang="en-US" sz="2400" dirty="0" smtClean="0">
+                <a:latin typeface="+mj-lt"/>
+              </a:rPr>
+              <a:t> instead (multiplication by 2, but any arbitrary weight would be OK) The maximum 1-norm for a (-2, -2, -2) 3 slot difference vector is now 6. </a:t>
+            </a:r>
           </a:p>
         </p:txBody>
       </p:sp>
     </p:spTree>
     <p:extLst>
       <p:ext uri="{BB962C8B-B14F-4D97-AF65-F5344CB8AC3E}">
-        <p14:creationId xmlns:p14="http://schemas.microsoft.com/office/powerpoint/2010/main" val="2452362062"/>
+        <p14:creationId xmlns:p14="http://schemas.microsoft.com/office/powerpoint/2010/main" val="269769197"/>
       </p:ext>
     </p:extLst>
   </p:cSld>

--- a/Mean Vector Clustering w.pptx
+++ b/Mean Vector Clustering w.pptx
@@ -300,7 +300,7 @@
           <a:p>
             <a:fld id="{1628064E-AF73-4083-B584-3A95DF554CDA}" type="datetimeFigureOut">
               <a:rPr lang="en-US" smtClean="0"/>
-              <a:t>12/1/2015</a:t>
+              <a:t>12/2/2015</a:t>
             </a:fld>
             <a:endParaRPr lang="en-US"/>
           </a:p>
@@ -470,7 +470,7 @@
           <a:p>
             <a:fld id="{1628064E-AF73-4083-B584-3A95DF554CDA}" type="datetimeFigureOut">
               <a:rPr lang="en-US" smtClean="0"/>
-              <a:t>12/1/2015</a:t>
+              <a:t>12/2/2015</a:t>
             </a:fld>
             <a:endParaRPr lang="en-US"/>
           </a:p>
@@ -650,7 +650,7 @@
           <a:p>
             <a:fld id="{1628064E-AF73-4083-B584-3A95DF554CDA}" type="datetimeFigureOut">
               <a:rPr lang="en-US" smtClean="0"/>
-              <a:t>12/1/2015</a:t>
+              <a:t>12/2/2015</a:t>
             </a:fld>
             <a:endParaRPr lang="en-US"/>
           </a:p>
@@ -820,7 +820,7 @@
           <a:p>
             <a:fld id="{1628064E-AF73-4083-B584-3A95DF554CDA}" type="datetimeFigureOut">
               <a:rPr lang="en-US" smtClean="0"/>
-              <a:t>12/1/2015</a:t>
+              <a:t>12/2/2015</a:t>
             </a:fld>
             <a:endParaRPr lang="en-US"/>
           </a:p>
@@ -1066,7 +1066,7 @@
           <a:p>
             <a:fld id="{1628064E-AF73-4083-B584-3A95DF554CDA}" type="datetimeFigureOut">
               <a:rPr lang="en-US" smtClean="0"/>
-              <a:t>12/1/2015</a:t>
+              <a:t>12/2/2015</a:t>
             </a:fld>
             <a:endParaRPr lang="en-US"/>
           </a:p>
@@ -1354,7 +1354,7 @@
           <a:p>
             <a:fld id="{1628064E-AF73-4083-B584-3A95DF554CDA}" type="datetimeFigureOut">
               <a:rPr lang="en-US" smtClean="0"/>
-              <a:t>12/1/2015</a:t>
+              <a:t>12/2/2015</a:t>
             </a:fld>
             <a:endParaRPr lang="en-US"/>
           </a:p>
@@ -1776,7 +1776,7 @@
           <a:p>
             <a:fld id="{1628064E-AF73-4083-B584-3A95DF554CDA}" type="datetimeFigureOut">
               <a:rPr lang="en-US" smtClean="0"/>
-              <a:t>12/1/2015</a:t>
+              <a:t>12/2/2015</a:t>
             </a:fld>
             <a:endParaRPr lang="en-US"/>
           </a:p>
@@ -1894,7 +1894,7 @@
           <a:p>
             <a:fld id="{1628064E-AF73-4083-B584-3A95DF554CDA}" type="datetimeFigureOut">
               <a:rPr lang="en-US" smtClean="0"/>
-              <a:t>12/1/2015</a:t>
+              <a:t>12/2/2015</a:t>
             </a:fld>
             <a:endParaRPr lang="en-US"/>
           </a:p>
@@ -1989,7 +1989,7 @@
           <a:p>
             <a:fld id="{1628064E-AF73-4083-B584-3A95DF554CDA}" type="datetimeFigureOut">
               <a:rPr lang="en-US" smtClean="0"/>
-              <a:t>12/1/2015</a:t>
+              <a:t>12/2/2015</a:t>
             </a:fld>
             <a:endParaRPr lang="en-US"/>
           </a:p>
@@ -2266,7 +2266,7 @@
           <a:p>
             <a:fld id="{1628064E-AF73-4083-B584-3A95DF554CDA}" type="datetimeFigureOut">
               <a:rPr lang="en-US" smtClean="0"/>
-              <a:t>12/1/2015</a:t>
+              <a:t>12/2/2015</a:t>
             </a:fld>
             <a:endParaRPr lang="en-US"/>
           </a:p>
@@ -2519,7 +2519,7 @@
           <a:p>
             <a:fld id="{1628064E-AF73-4083-B584-3A95DF554CDA}" type="datetimeFigureOut">
               <a:rPr lang="en-US" smtClean="0"/>
-              <a:t>12/1/2015</a:t>
+              <a:t>12/2/2015</a:t>
             </a:fld>
             <a:endParaRPr lang="en-US"/>
           </a:p>
@@ -2732,7 +2732,7 @@
           <a:p>
             <a:fld id="{1628064E-AF73-4083-B584-3A95DF554CDA}" type="datetimeFigureOut">
               <a:rPr lang="en-US" smtClean="0"/>
-              <a:t>12/1/2015</a:t>
+              <a:t>12/2/2015</a:t>
             </a:fld>
             <a:endParaRPr lang="en-US"/>
           </a:p>
@@ -4604,13 +4604,7 @@
           </a:bodyPr>
           <a:lstStyle/>
           <a:p>
-            <a:r>
-              <a:rPr lang="en-US" dirty="0" smtClean="0"/>
-              <a:t>If….</a:t>
-            </a:r>
-          </a:p>
-          <a:p>
-            <a:endParaRPr lang="en-US" dirty="0"/>
+            <a:endParaRPr lang="en-US" dirty="0" smtClean="0"/>
           </a:p>
           <a:p>
             <a:pPr marL="285750" indent="-285750">
@@ -4619,15 +4613,87 @@
             </a:pPr>
             <a:r>
               <a:rPr lang="en-US" dirty="0" smtClean="0"/>
-              <a:t>We guess a symbol that is known to be approximately normal? We can simply check if the data is </a:t>
+              <a:t>If we </a:t>
+            </a:r>
+            <a:r>
+              <a:rPr lang="en-US" dirty="0" smtClean="0"/>
+              <a:t>guess a symbol that is known to be approximately </a:t>
+            </a:r>
+            <a:r>
+              <a:rPr lang="en-US" dirty="0" smtClean="0"/>
+              <a:t>normal then we </a:t>
+            </a:r>
+            <a:r>
+              <a:rPr lang="en-US" dirty="0" smtClean="0"/>
+              <a:t>can </a:t>
+            </a:r>
+            <a:r>
+              <a:rPr lang="en-US" dirty="0" smtClean="0"/>
+              <a:t>check </a:t>
+            </a:r>
+            <a:r>
+              <a:rPr lang="en-US" dirty="0" smtClean="0"/>
+              <a:t>if the </a:t>
+            </a:r>
+            <a:r>
+              <a:rPr lang="en-US" dirty="0" smtClean="0"/>
+              <a:t>delta</a:t>
+            </a:r>
+            <a:r>
+              <a:rPr lang="en-US" dirty="0" smtClean="0"/>
+              <a:t> is within </a:t>
             </a:r>
             <a:r>
               <a:rPr lang="en-US" b="1" dirty="0" smtClean="0"/>
-              <a:t>two standard deviations. </a:t>
-            </a:r>
-            <a:r>
-              <a:rPr lang="en-US" dirty="0" smtClean="0"/>
-              <a:t>This gives 95% confidence to reject if it’s above. (This is adjustable; since we’re “approximately” normal we can tweak to fit our confidence </a:t>
+              <a:t>two standard </a:t>
+            </a:r>
+            <a:r>
+              <a:rPr lang="en-US" b="1" dirty="0" smtClean="0"/>
+              <a:t>deviations </a:t>
+            </a:r>
+            <a:r>
+              <a:rPr lang="en-US" dirty="0" smtClean="0"/>
+              <a:t>of the mean</a:t>
+            </a:r>
+            <a:r>
+              <a:rPr lang="en-US" b="1" dirty="0" smtClean="0"/>
+              <a:t>. </a:t>
+            </a:r>
+            <a:r>
+              <a:rPr lang="en-US" dirty="0" smtClean="0"/>
+              <a:t>This </a:t>
+            </a:r>
+            <a:r>
+              <a:rPr lang="en-US" dirty="0" smtClean="0"/>
+              <a:t>gives us </a:t>
+            </a:r>
+            <a:r>
+              <a:rPr lang="en-US" dirty="0" smtClean="0"/>
+              <a:t>95</a:t>
+            </a:r>
+            <a:r>
+              <a:rPr lang="en-US" dirty="0" smtClean="0"/>
+              <a:t>%  </a:t>
+            </a:r>
+            <a:r>
+              <a:rPr lang="en-US" dirty="0" smtClean="0"/>
+              <a:t>confidence </a:t>
+            </a:r>
+            <a:r>
+              <a:rPr lang="en-US" dirty="0" smtClean="0"/>
+              <a:t>that we should reject the glyph </a:t>
+            </a:r>
+            <a:r>
+              <a:rPr lang="en-US" dirty="0" smtClean="0"/>
+              <a:t>if it’s </a:t>
+            </a:r>
+            <a:r>
+              <a:rPr lang="en-US" dirty="0" smtClean="0"/>
+              <a:t>outside the threshold. </a:t>
+            </a:r>
+            <a:r>
+              <a:rPr lang="en-US" dirty="0" smtClean="0"/>
+              <a:t>(This is adjustable; since we’re “approximately” normal we can tweak to fit our confidence </a:t>
             </a:r>
             <a:r>
               <a:rPr lang="en-US" dirty="0"/>
@@ -4686,7 +4752,51 @@
             </a:pPr>
             <a:r>
               <a:rPr lang="en-US" dirty="0" smtClean="0"/>
-              <a:t>We guess a symbol that is known to not be approximately normal? Things are trickier; we could interpolate or take a median value and suffers a 50% confident rate (on the known data). The results are not nearly as nice. Most rejections of good data are because of this.</a:t>
+              <a:t>If we </a:t>
+            </a:r>
+            <a:r>
+              <a:rPr lang="en-US" dirty="0" smtClean="0"/>
+              <a:t>guess a symbol </a:t>
+            </a:r>
+            <a:r>
+              <a:rPr lang="en-US" dirty="0" smtClean="0"/>
+              <a:t>is </a:t>
+            </a:r>
+            <a:r>
+              <a:rPr lang="en-US" dirty="0" smtClean="0"/>
+              <a:t>known </a:t>
+            </a:r>
+            <a:r>
+              <a:rPr lang="en-US" dirty="0" smtClean="0"/>
+              <a:t>to not </a:t>
+            </a:r>
+            <a:r>
+              <a:rPr lang="en-US" dirty="0" smtClean="0"/>
+              <a:t>be approximately </a:t>
+            </a:r>
+            <a:r>
+              <a:rPr lang="en-US" dirty="0" smtClean="0"/>
+              <a:t>normal things </a:t>
+            </a:r>
+            <a:r>
+              <a:rPr lang="en-US" dirty="0" smtClean="0"/>
+              <a:t>are </a:t>
+            </a:r>
+            <a:r>
+              <a:rPr lang="en-US" dirty="0" smtClean="0"/>
+              <a:t>trickier. We </a:t>
+            </a:r>
+            <a:r>
+              <a:rPr lang="en-US" dirty="0" smtClean="0"/>
+              <a:t>could interpolate or take a median value and suffers a 50% </a:t>
+            </a:r>
+            <a:r>
+              <a:rPr lang="en-US" dirty="0" smtClean="0"/>
+              <a:t>confidence </a:t>
+            </a:r>
+            <a:r>
+              <a:rPr lang="en-US" dirty="0" smtClean="0"/>
+              <a:t>rate (on the known data). The results are not nearly as nice. Most rejections of good data are because of this.</a:t>
             </a:r>
           </a:p>
           <a:p>
@@ -4881,8 +4991,13 @@
             </a:pPr>
             <a:r>
               <a:rPr lang="en-US" dirty="0" smtClean="0"/>
-              <a:t>Poor performance on some symbols (such as 1’s, looks too similar to 2)</a:t>
-            </a:r>
+              <a:t>Poor performance on some symbols (such as 1’s, </a:t>
+            </a:r>
+            <a:r>
+              <a:rPr lang="en-US" dirty="0" smtClean="0"/>
+              <a:t>which look similar to 2’s)</a:t>
+            </a:r>
+            <a:endParaRPr lang="en-US" dirty="0" smtClean="0"/>
           </a:p>
           <a:p>
             <a:pPr marL="285750" indent="-285750">
@@ -5242,13 +5357,8 @@
             </a:pPr>
             <a:r>
               <a:rPr lang="en-US" dirty="0" smtClean="0"/>
-              <a:t>We also added normalization to this feature vector by dividing each value in the vector by the vectors </a:t>
-            </a:r>
-            <a:r>
-              <a:rPr lang="en-US" dirty="0" smtClean="0"/>
-              <a:t>sum (weighting)</a:t>
-            </a:r>
-            <a:endParaRPr lang="en-US" dirty="0" smtClean="0"/>
+              <a:t>We also added normalization to this feature vector by dividing each value in the vector by the vectors sum (weighting)</a:t>
+            </a:r>
           </a:p>
           <a:p>
             <a:pPr marL="285750" indent="-285750">
@@ -5425,15 +5535,7 @@
             </a:r>
             <a:r>
               <a:rPr lang="en-US" dirty="0" smtClean="0"/>
-              <a:t>on only the bottom-right section of the </a:t>
-            </a:r>
-            <a:r>
-              <a:rPr lang="en-US" dirty="0" smtClean="0"/>
-              <a:t>image. </a:t>
-            </a:r>
-            <a:r>
-              <a:rPr lang="en-US" dirty="0" smtClean="0"/>
-              <a:t>The values are unique now and can break the tie. (Block size applies)</a:t>
+              <a:t>on only the bottom-right section of the image. The values are unique now and can break the tie. (Block size applies)</a:t>
             </a:r>
           </a:p>
           <a:p>
@@ -6059,11 +6161,7 @@
             </a:r>
             <a:r>
               <a:rPr lang="en-US" dirty="0" smtClean="0"/>
-              <a:t> </a:t>
-            </a:r>
-            <a:r>
-              <a:rPr lang="en-US" dirty="0" smtClean="0"/>
-              <a:t>rows and </a:t>
+              <a:t> rows and </a:t>
             </a:r>
             <a:r>
               <a:rPr lang="en-US" b="1" dirty="0" smtClean="0"/>
@@ -6071,11 +6169,7 @@
             </a:r>
             <a:r>
               <a:rPr lang="en-US" dirty="0" smtClean="0"/>
-              <a:t> </a:t>
-            </a:r>
-            <a:r>
-              <a:rPr lang="en-US" dirty="0" smtClean="0"/>
-              <a:t>columns are obtained</a:t>
+              <a:t> columns are obtained</a:t>
             </a:r>
           </a:p>
           <a:p>
@@ -7508,15 +7602,7 @@
             </a:pPr>
             <a:r>
               <a:rPr lang="en-US" dirty="0" smtClean="0"/>
-              <a:t>We pre-process the image and extract features the exact same way we </a:t>
-            </a:r>
-            <a:r>
-              <a:rPr lang="en-US" dirty="0" smtClean="0"/>
-              <a:t>were to </a:t>
-            </a:r>
-            <a:r>
-              <a:rPr lang="en-US" dirty="0" smtClean="0"/>
-              <a:t>train it.</a:t>
+              <a:t>We pre-process the image and extract features the exact same way we were to train it.</a:t>
             </a:r>
           </a:p>
           <a:p>

--- a/Mean Vector Clustering w.pptx
+++ b/Mean Vector Clustering w.pptx
@@ -4613,43 +4613,11 @@
             </a:pPr>
             <a:r>
               <a:rPr lang="en-US" dirty="0" smtClean="0"/>
-              <a:t>If we </a:t>
-            </a:r>
-            <a:r>
-              <a:rPr lang="en-US" dirty="0" smtClean="0"/>
-              <a:t>guess a symbol that is known to be approximately </a:t>
-            </a:r>
-            <a:r>
-              <a:rPr lang="en-US" dirty="0" smtClean="0"/>
-              <a:t>normal then we </a:t>
-            </a:r>
-            <a:r>
-              <a:rPr lang="en-US" dirty="0" smtClean="0"/>
-              <a:t>can </a:t>
-            </a:r>
-            <a:r>
-              <a:rPr lang="en-US" dirty="0" smtClean="0"/>
-              <a:t>check </a:t>
-            </a:r>
-            <a:r>
-              <a:rPr lang="en-US" dirty="0" smtClean="0"/>
-              <a:t>if the </a:t>
-            </a:r>
-            <a:r>
-              <a:rPr lang="en-US" dirty="0" smtClean="0"/>
-              <a:t>delta</a:t>
-            </a:r>
-            <a:r>
-              <a:rPr lang="en-US" dirty="0" smtClean="0"/>
-              <a:t> is within </a:t>
+              <a:t>If we guess a symbol that is known to be approximately normal then we can check if the delta is within </a:t>
             </a:r>
             <a:r>
               <a:rPr lang="en-US" b="1" dirty="0" smtClean="0"/>
-              <a:t>two standard </a:t>
-            </a:r>
-            <a:r>
-              <a:rPr lang="en-US" b="1" dirty="0" smtClean="0"/>
-              <a:t>deviations </a:t>
+              <a:t>two standard deviations </a:t>
             </a:r>
             <a:r>
               <a:rPr lang="en-US" dirty="0" smtClean="0"/>
@@ -4661,39 +4629,7 @@
             </a:r>
             <a:r>
               <a:rPr lang="en-US" dirty="0" smtClean="0"/>
-              <a:t>This </a:t>
-            </a:r>
-            <a:r>
-              <a:rPr lang="en-US" dirty="0" smtClean="0"/>
-              <a:t>gives us </a:t>
-            </a:r>
-            <a:r>
-              <a:rPr lang="en-US" dirty="0" smtClean="0"/>
-              <a:t>95</a:t>
-            </a:r>
-            <a:r>
-              <a:rPr lang="en-US" dirty="0" smtClean="0"/>
-              <a:t>%  </a:t>
-            </a:r>
-            <a:r>
-              <a:rPr lang="en-US" dirty="0" smtClean="0"/>
-              <a:t>confidence </a:t>
-            </a:r>
-            <a:r>
-              <a:rPr lang="en-US" dirty="0" smtClean="0"/>
-              <a:t>that we should reject the glyph </a:t>
-            </a:r>
-            <a:r>
-              <a:rPr lang="en-US" dirty="0" smtClean="0"/>
-              <a:t>if it’s </a:t>
-            </a:r>
-            <a:r>
-              <a:rPr lang="en-US" dirty="0" smtClean="0"/>
-              <a:t>outside the threshold. </a:t>
-            </a:r>
-            <a:r>
-              <a:rPr lang="en-US" dirty="0" smtClean="0"/>
-              <a:t>(This is adjustable; since we’re “approximately” normal we can tweak to fit our confidence </a:t>
+              <a:t>This gives us 95%  confidence that we should reject the glyph if it’s outside the threshold. (This is adjustable; since we’re “approximately” normal we can tweak to fit our confidence </a:t>
             </a:r>
             <a:r>
               <a:rPr lang="en-US" dirty="0"/>
@@ -4752,51 +4688,7 @@
             </a:pPr>
             <a:r>
               <a:rPr lang="en-US" dirty="0" smtClean="0"/>
-              <a:t>If we </a:t>
-            </a:r>
-            <a:r>
-              <a:rPr lang="en-US" dirty="0" smtClean="0"/>
-              <a:t>guess a symbol </a:t>
-            </a:r>
-            <a:r>
-              <a:rPr lang="en-US" dirty="0" smtClean="0"/>
-              <a:t>is </a:t>
-            </a:r>
-            <a:r>
-              <a:rPr lang="en-US" dirty="0" smtClean="0"/>
-              <a:t>known </a:t>
-            </a:r>
-            <a:r>
-              <a:rPr lang="en-US" dirty="0" smtClean="0"/>
-              <a:t>to not </a:t>
-            </a:r>
-            <a:r>
-              <a:rPr lang="en-US" dirty="0" smtClean="0"/>
-              <a:t>be approximately </a:t>
-            </a:r>
-            <a:r>
-              <a:rPr lang="en-US" dirty="0" smtClean="0"/>
-              <a:t>normal things </a:t>
-            </a:r>
-            <a:r>
-              <a:rPr lang="en-US" dirty="0" smtClean="0"/>
-              <a:t>are </a:t>
-            </a:r>
-            <a:r>
-              <a:rPr lang="en-US" dirty="0" smtClean="0"/>
-              <a:t>trickier. We </a:t>
-            </a:r>
-            <a:r>
-              <a:rPr lang="en-US" dirty="0" smtClean="0"/>
-              <a:t>could interpolate or take a median value and suffers a 50% </a:t>
-            </a:r>
-            <a:r>
-              <a:rPr lang="en-US" dirty="0" smtClean="0"/>
-              <a:t>confidence </a:t>
-            </a:r>
-            <a:r>
-              <a:rPr lang="en-US" dirty="0" smtClean="0"/>
-              <a:t>rate (on the known data). The results are not nearly as nice. Most rejections of good data are because of this.</a:t>
+              <a:t>If we guess a symbol is known to not be approximately normal things are trickier. We could interpolate or take a median value and suffers a 50% confidence rate (on the known data). The results are not nearly as nice. Most rejections of good data are because of this.</a:t>
             </a:r>
           </a:p>
           <a:p>
@@ -4991,13 +4883,8 @@
             </a:pPr>
             <a:r>
               <a:rPr lang="en-US" dirty="0" smtClean="0"/>
-              <a:t>Poor performance on some symbols (such as 1’s, </a:t>
-            </a:r>
-            <a:r>
-              <a:rPr lang="en-US" dirty="0" smtClean="0"/>
-              <a:t>which look similar to 2’s)</a:t>
-            </a:r>
-            <a:endParaRPr lang="en-US" dirty="0" smtClean="0"/>
+              <a:t>Poor performance on some symbols (such as 1’s, which look similar to 2’s)</a:t>
+            </a:r>
           </a:p>
           <a:p>
             <a:pPr marL="285750" indent="-285750">
@@ -6135,7 +6022,19 @@
             </a:pPr>
             <a:r>
               <a:rPr lang="en-US" dirty="0" smtClean="0"/>
-              <a:t>Ratio of Histograms works very similar to zoning</a:t>
+              <a:t>Ratio of Histograms </a:t>
+            </a:r>
+            <a:r>
+              <a:rPr lang="en-US" smtClean="0"/>
+              <a:t>works </a:t>
+            </a:r>
+            <a:r>
+              <a:rPr lang="en-US" smtClean="0"/>
+              <a:t>similarly </a:t>
+            </a:r>
+            <a:r>
+              <a:rPr lang="en-US" dirty="0" smtClean="0"/>
+              <a:t>to zoning</a:t>
             </a:r>
             <a:endParaRPr lang="en-US" dirty="0"/>
           </a:p>
